--- a/ComputerVision/Lecture 10 -CNN Applications and Tricks/Lecture 10 -CNN Applications and Tricks.pptx
+++ b/ComputerVision/Lecture 10 -CNN Applications and Tricks/Lecture 10 -CNN Applications and Tricks.pptx
@@ -12318,6 +12318,36 @@
               <a:buFont typeface="Wingdings" panose="05000000000000000000" pitchFamily="2" charset="2"/>
               <a:buChar char=""/>
             </a:pPr>
+            <a:endParaRPr lang="en-US" altLang="pt-BR" u="sng" dirty="0"/>
+          </a:p>
+          <a:p>
+            <a:pPr>
+              <a:buSzPct val="45000"/>
+              <a:buFont typeface="Wingdings" panose="05000000000000000000" pitchFamily="2" charset="2"/>
+              <a:buChar char=""/>
+            </a:pPr>
+            <a:r>
+              <a:rPr lang="en-US" altLang="pt-BR" b="1" dirty="0"/>
+              <a:t>Assessment Task: PJBL-3 at Canvas </a:t>
+            </a:r>
+          </a:p>
+          <a:p>
+            <a:pPr lvl="1">
+              <a:buSzPct val="45000"/>
+              <a:buFont typeface="Wingdings" panose="05000000000000000000" pitchFamily="2" charset="2"/>
+              <a:buChar char=""/>
+            </a:pPr>
+            <a:r>
+              <a:rPr lang="en-US" altLang="pt-BR" b="1" dirty="0"/>
+              <a:t>Delivery date: 06/11 23:59</a:t>
+            </a:r>
+          </a:p>
+          <a:p>
+            <a:pPr>
+              <a:buSzPct val="45000"/>
+              <a:buFont typeface="Wingdings" panose="05000000000000000000" pitchFamily="2" charset="2"/>
+              <a:buChar char=""/>
+            </a:pPr>
             <a:endParaRPr lang="en-US" altLang="pt-BR" dirty="0"/>
           </a:p>
         </p:txBody>
@@ -14818,7 +14848,7 @@
           <a:graphicData uri="http://schemas.openxmlformats.org/presentationml/2006/ole">
             <mc:AlternateContent xmlns:mc="http://schemas.openxmlformats.org/markup-compatibility/2006">
               <mc:Choice xmlns:v="urn:schemas-microsoft-com:vml" Requires="v">
-                <p:oleObj spid="_x0000_s9221" name="Bitmap Image" r:id="rId5" imgW="5057640" imgH="2362320" progId="PBrush">
+                <p:oleObj spid="_x0000_s9224" name="Bitmap Image" r:id="rId5" imgW="5057640" imgH="2362320" progId="PBrush">
                   <p:embed/>
                 </p:oleObj>
               </mc:Choice>

--- a/ComputerVision/Lecture 10 -CNN Applications and Tricks/Lecture 10 -CNN Applications and Tricks.pptx
+++ b/ComputerVision/Lecture 10 -CNN Applications and Tricks/Lecture 10 -CNN Applications and Tricks.pptx
@@ -74,217 +74,16 @@
             <a:noAutofit/>
           </a:bodyPr>
           <a:p>
+            <a:pPr algn="ctr">
+              <a:buNone/>
+            </a:pPr>
             <a:r>
-              <a:rPr b="0" lang="pt-BR" sz="1800" spc="-1" strike="noStrike">
-                <a:solidFill>
-                  <a:srgbClr val="000000"/>
-                </a:solidFill>
+              <a:rPr b="0" lang="pt-BR" sz="4400" spc="-1" strike="noStrike">
                 <a:latin typeface="Arial"/>
               </a:rPr>
-              <a:t>C</a:t>
+              <a:t>Click to move the slide</a:t>
             </a:r>
-            <a:r>
-              <a:rPr b="0" lang="pt-BR" sz="1800" spc="-1" strike="noStrike">
-                <a:solidFill>
-                  <a:srgbClr val="000000"/>
-                </a:solidFill>
-                <a:latin typeface="Arial"/>
-              </a:rPr>
-              <a:t>l</a:t>
-            </a:r>
-            <a:r>
-              <a:rPr b="0" lang="pt-BR" sz="1800" spc="-1" strike="noStrike">
-                <a:solidFill>
-                  <a:srgbClr val="000000"/>
-                </a:solidFill>
-                <a:latin typeface="Arial"/>
-              </a:rPr>
-              <a:t>i</a:t>
-            </a:r>
-            <a:r>
-              <a:rPr b="0" lang="pt-BR" sz="1800" spc="-1" strike="noStrike">
-                <a:solidFill>
-                  <a:srgbClr val="000000"/>
-                </a:solidFill>
-                <a:latin typeface="Arial"/>
-              </a:rPr>
-              <a:t>c</a:t>
-            </a:r>
-            <a:r>
-              <a:rPr b="0" lang="pt-BR" sz="1800" spc="-1" strike="noStrike">
-                <a:solidFill>
-                  <a:srgbClr val="000000"/>
-                </a:solidFill>
-                <a:latin typeface="Arial"/>
-              </a:rPr>
-              <a:t>k</a:t>
-            </a:r>
-            <a:r>
-              <a:rPr b="0" lang="pt-BR" sz="1800" spc="-1" strike="noStrike">
-                <a:solidFill>
-                  <a:srgbClr val="000000"/>
-                </a:solidFill>
-                <a:latin typeface="Arial"/>
-              </a:rPr>
-              <a:t> </a:t>
-            </a:r>
-            <a:r>
-              <a:rPr b="0" lang="pt-BR" sz="1800" spc="-1" strike="noStrike">
-                <a:solidFill>
-                  <a:srgbClr val="000000"/>
-                </a:solidFill>
-                <a:latin typeface="Arial"/>
-              </a:rPr>
-              <a:t>t</a:t>
-            </a:r>
-            <a:r>
-              <a:rPr b="0" lang="pt-BR" sz="1800" spc="-1" strike="noStrike">
-                <a:solidFill>
-                  <a:srgbClr val="000000"/>
-                </a:solidFill>
-                <a:latin typeface="Arial"/>
-              </a:rPr>
-              <a:t>o</a:t>
-            </a:r>
-            <a:r>
-              <a:rPr b="0" lang="pt-BR" sz="1800" spc="-1" strike="noStrike">
-                <a:solidFill>
-                  <a:srgbClr val="000000"/>
-                </a:solidFill>
-                <a:latin typeface="Arial"/>
-              </a:rPr>
-              <a:t> </a:t>
-            </a:r>
-            <a:r>
-              <a:rPr b="0" lang="pt-BR" sz="1800" spc="-1" strike="noStrike">
-                <a:solidFill>
-                  <a:srgbClr val="000000"/>
-                </a:solidFill>
-                <a:latin typeface="Arial"/>
-              </a:rPr>
-              <a:t>m</a:t>
-            </a:r>
-            <a:r>
-              <a:rPr b="0" lang="pt-BR" sz="1800" spc="-1" strike="noStrike">
-                <a:solidFill>
-                  <a:srgbClr val="000000"/>
-                </a:solidFill>
-                <a:latin typeface="Arial"/>
-              </a:rPr>
-              <a:t>o</a:t>
-            </a:r>
-            <a:r>
-              <a:rPr b="0" lang="pt-BR" sz="1800" spc="-1" strike="noStrike">
-                <a:solidFill>
-                  <a:srgbClr val="000000"/>
-                </a:solidFill>
-                <a:latin typeface="Arial"/>
-              </a:rPr>
-              <a:t>v</a:t>
-            </a:r>
-            <a:r>
-              <a:rPr b="0" lang="pt-BR" sz="1800" spc="-1" strike="noStrike">
-                <a:solidFill>
-                  <a:srgbClr val="000000"/>
-                </a:solidFill>
-                <a:latin typeface="Arial"/>
-              </a:rPr>
-              <a:t>e</a:t>
-            </a:r>
-            <a:r>
-              <a:rPr b="0" lang="pt-BR" sz="1800" spc="-1" strike="noStrike">
-                <a:solidFill>
-                  <a:srgbClr val="000000"/>
-                </a:solidFill>
-                <a:latin typeface="Arial"/>
-              </a:rPr>
-              <a:t> </a:t>
-            </a:r>
-            <a:r>
-              <a:rPr b="0" lang="pt-BR" sz="1800" spc="-1" strike="noStrike">
-                <a:solidFill>
-                  <a:srgbClr val="000000"/>
-                </a:solidFill>
-                <a:latin typeface="Arial"/>
-              </a:rPr>
-              <a:t>t</a:t>
-            </a:r>
-            <a:r>
-              <a:rPr b="0" lang="pt-BR" sz="1800" spc="-1" strike="noStrike">
-                <a:solidFill>
-                  <a:srgbClr val="000000"/>
-                </a:solidFill>
-                <a:latin typeface="Arial"/>
-              </a:rPr>
-              <a:t>h</a:t>
-            </a:r>
-            <a:r>
-              <a:rPr b="0" lang="pt-BR" sz="1800" spc="-1" strike="noStrike">
-                <a:solidFill>
-                  <a:srgbClr val="000000"/>
-                </a:solidFill>
-                <a:latin typeface="Arial"/>
-              </a:rPr>
-              <a:t>e</a:t>
-            </a:r>
-            <a:r>
-              <a:rPr b="0" lang="pt-BR" sz="1800" spc="-1" strike="noStrike">
-                <a:solidFill>
-                  <a:srgbClr val="000000"/>
-                </a:solidFill>
-                <a:latin typeface="Arial"/>
-              </a:rPr>
-              <a:t> </a:t>
-            </a:r>
-            <a:r>
-              <a:rPr b="0" lang="pt-BR" sz="1800" spc="-1" strike="noStrike">
-                <a:solidFill>
-                  <a:srgbClr val="000000"/>
-                </a:solidFill>
-                <a:latin typeface="Arial"/>
-              </a:rPr>
-              <a:t>s</a:t>
-            </a:r>
-            <a:r>
-              <a:rPr b="0" lang="pt-BR" sz="1800" spc="-1" strike="noStrike">
-                <a:solidFill>
-                  <a:srgbClr val="000000"/>
-                </a:solidFill>
-                <a:latin typeface="Arial"/>
-              </a:rPr>
-              <a:t>l</a:t>
-            </a:r>
-            <a:r>
-              <a:rPr b="0" lang="pt-BR" sz="1800" spc="-1" strike="noStrike">
-                <a:solidFill>
-                  <a:srgbClr val="000000"/>
-                </a:solidFill>
-                <a:latin typeface="Arial"/>
-              </a:rPr>
-              <a:t>i</a:t>
-            </a:r>
-            <a:r>
-              <a:rPr b="0" lang="pt-BR" sz="1800" spc="-1" strike="noStrike">
-                <a:solidFill>
-                  <a:srgbClr val="000000"/>
-                </a:solidFill>
-                <a:latin typeface="Arial"/>
-              </a:rPr>
-              <a:t>d</a:t>
-            </a:r>
-            <a:r>
-              <a:rPr b="0" lang="pt-BR" sz="1800" spc="-1" strike="noStrike">
-                <a:solidFill>
-                  <a:srgbClr val="000000"/>
-                </a:solidFill>
-                <a:latin typeface="Arial"/>
-              </a:rPr>
-              <a:t>e</a:t>
-            </a:r>
-            <a:endParaRPr b="0" lang="pt-BR" sz="1800" spc="-1" strike="noStrike">
-              <a:solidFill>
-                <a:srgbClr val="000000"/>
-              </a:solidFill>
+            <a:endParaRPr b="0" lang="pt-BR" sz="4400" spc="-1" strike="noStrike">
               <a:latin typeface="Arial"/>
             </a:endParaRPr>
           </a:p>
@@ -507,7 +306,7 @@
             <a:pPr algn="r">
               <a:buNone/>
             </a:pPr>
-            <a:fld id="{7B63340B-0E1F-4B02-BFDF-5C0D7EE13CC8}" type="slidenum">
+            <a:fld id="{DC22F58D-AF77-4AED-A43B-787BE5C3C1D1}" type="slidenum">
               <a:rPr b="0" lang="pt-BR" sz="1400" spc="-1" strike="noStrike">
                 <a:latin typeface="Times New Roman"/>
               </a:rPr>
@@ -555,7 +354,7 @@
         <p:spPr>
           <a:xfrm>
             <a:off x="1376280" y="1336680"/>
-            <a:ext cx="4803480" cy="3603240"/>
+            <a:ext cx="4803120" cy="3602880"/>
           </a:xfrm>
           <a:prstGeom prst="rect">
             <a:avLst/>
@@ -578,7 +377,7 @@
         <p:spPr>
           <a:xfrm>
             <a:off x="756000" y="5145120"/>
-            <a:ext cx="6043680" cy="4205880"/>
+            <a:ext cx="6043320" cy="4205520"/>
           </a:xfrm>
           <a:prstGeom prst="rect">
             <a:avLst/>
@@ -608,7 +407,7 @@
         <p:spPr>
           <a:xfrm>
             <a:off x="0" y="10155240"/>
-            <a:ext cx="3272040" cy="532440"/>
+            <a:ext cx="3271680" cy="532080"/>
           </a:xfrm>
           <a:prstGeom prst="rect">
             <a:avLst/>
@@ -686,7 +485,7 @@
         <p:spPr>
           <a:xfrm>
             <a:off x="1376280" y="1336680"/>
-            <a:ext cx="4803480" cy="3603240"/>
+            <a:ext cx="4803120" cy="3602880"/>
           </a:xfrm>
           <a:prstGeom prst="rect">
             <a:avLst/>
@@ -709,7 +508,7 @@
         <p:spPr>
           <a:xfrm>
             <a:off x="756000" y="5145120"/>
-            <a:ext cx="6043680" cy="4205880"/>
+            <a:ext cx="6043320" cy="4205520"/>
           </a:xfrm>
           <a:prstGeom prst="rect">
             <a:avLst/>
@@ -739,7 +538,7 @@
         <p:spPr>
           <a:xfrm>
             <a:off x="0" y="10155240"/>
-            <a:ext cx="3272040" cy="532440"/>
+            <a:ext cx="3271680" cy="532080"/>
           </a:xfrm>
           <a:prstGeom prst="rect">
             <a:avLst/>
@@ -817,7 +616,7 @@
         <p:spPr>
           <a:xfrm>
             <a:off x="1376280" y="1336680"/>
-            <a:ext cx="4803480" cy="3603240"/>
+            <a:ext cx="4803120" cy="3602880"/>
           </a:xfrm>
           <a:prstGeom prst="rect">
             <a:avLst/>
@@ -840,7 +639,7 @@
         <p:spPr>
           <a:xfrm>
             <a:off x="756000" y="5145120"/>
-            <a:ext cx="6043680" cy="4205880"/>
+            <a:ext cx="6043320" cy="4205520"/>
           </a:xfrm>
           <a:prstGeom prst="rect">
             <a:avLst/>
@@ -870,7 +669,7 @@
         <p:spPr>
           <a:xfrm>
             <a:off x="0" y="10155240"/>
-            <a:ext cx="3272040" cy="532440"/>
+            <a:ext cx="3271680" cy="532080"/>
           </a:xfrm>
           <a:prstGeom prst="rect">
             <a:avLst/>
@@ -948,7 +747,7 @@
         <p:spPr>
           <a:xfrm>
             <a:off x="1376280" y="1336680"/>
-            <a:ext cx="4803480" cy="3603240"/>
+            <a:ext cx="4803120" cy="3602880"/>
           </a:xfrm>
           <a:prstGeom prst="rect">
             <a:avLst/>
@@ -971,7 +770,7 @@
         <p:spPr>
           <a:xfrm>
             <a:off x="756000" y="5145120"/>
-            <a:ext cx="6043680" cy="4205880"/>
+            <a:ext cx="6043320" cy="4205520"/>
           </a:xfrm>
           <a:prstGeom prst="rect">
             <a:avLst/>
@@ -1001,7 +800,7 @@
         <p:spPr>
           <a:xfrm>
             <a:off x="0" y="10155240"/>
-            <a:ext cx="3272040" cy="532440"/>
+            <a:ext cx="3271680" cy="532080"/>
           </a:xfrm>
           <a:prstGeom prst="rect">
             <a:avLst/>
@@ -1079,7 +878,7 @@
         <p:spPr>
           <a:xfrm>
             <a:off x="1376280" y="1336680"/>
-            <a:ext cx="4803480" cy="3603240"/>
+            <a:ext cx="4803120" cy="3602880"/>
           </a:xfrm>
           <a:prstGeom prst="rect">
             <a:avLst/>
@@ -1102,7 +901,7 @@
         <p:spPr>
           <a:xfrm>
             <a:off x="756000" y="5145120"/>
-            <a:ext cx="6043680" cy="4205880"/>
+            <a:ext cx="6043320" cy="4205520"/>
           </a:xfrm>
           <a:prstGeom prst="rect">
             <a:avLst/>
@@ -1132,7 +931,7 @@
         <p:spPr>
           <a:xfrm>
             <a:off x="0" y="10155240"/>
-            <a:ext cx="3272040" cy="532440"/>
+            <a:ext cx="3271680" cy="532080"/>
           </a:xfrm>
           <a:prstGeom prst="rect">
             <a:avLst/>
@@ -1210,7 +1009,7 @@
         <p:spPr>
           <a:xfrm>
             <a:off x="1376280" y="1336680"/>
-            <a:ext cx="4803480" cy="3603240"/>
+            <a:ext cx="4803120" cy="3602880"/>
           </a:xfrm>
           <a:prstGeom prst="rect">
             <a:avLst/>
@@ -1233,7 +1032,7 @@
         <p:spPr>
           <a:xfrm>
             <a:off x="756000" y="5145120"/>
-            <a:ext cx="6043680" cy="4205880"/>
+            <a:ext cx="6043320" cy="4205520"/>
           </a:xfrm>
           <a:prstGeom prst="rect">
             <a:avLst/>
@@ -1263,7 +1062,7 @@
         <p:spPr>
           <a:xfrm>
             <a:off x="0" y="10155240"/>
-            <a:ext cx="3272040" cy="532440"/>
+            <a:ext cx="3271680" cy="532080"/>
           </a:xfrm>
           <a:prstGeom prst="rect">
             <a:avLst/>
@@ -1341,7 +1140,7 @@
         <p:spPr>
           <a:xfrm>
             <a:off x="1376280" y="1336680"/>
-            <a:ext cx="4803480" cy="3603240"/>
+            <a:ext cx="4803120" cy="3602880"/>
           </a:xfrm>
           <a:prstGeom prst="rect">
             <a:avLst/>
@@ -1364,7 +1163,7 @@
         <p:spPr>
           <a:xfrm>
             <a:off x="756000" y="5145120"/>
-            <a:ext cx="6043680" cy="4205880"/>
+            <a:ext cx="6043320" cy="4205520"/>
           </a:xfrm>
           <a:prstGeom prst="rect">
             <a:avLst/>
@@ -1394,7 +1193,7 @@
         <p:spPr>
           <a:xfrm>
             <a:off x="0" y="10155240"/>
-            <a:ext cx="3272040" cy="532440"/>
+            <a:ext cx="3271680" cy="532080"/>
           </a:xfrm>
           <a:prstGeom prst="rect">
             <a:avLst/>
@@ -1472,7 +1271,7 @@
         <p:spPr>
           <a:xfrm>
             <a:off x="1376280" y="1336680"/>
-            <a:ext cx="4803480" cy="3603240"/>
+            <a:ext cx="4803120" cy="3602880"/>
           </a:xfrm>
           <a:prstGeom prst="rect">
             <a:avLst/>
@@ -1495,7 +1294,7 @@
         <p:spPr>
           <a:xfrm>
             <a:off x="756000" y="5145120"/>
-            <a:ext cx="6043680" cy="4205880"/>
+            <a:ext cx="6043320" cy="4205520"/>
           </a:xfrm>
           <a:prstGeom prst="rect">
             <a:avLst/>
@@ -1525,7 +1324,7 @@
         <p:spPr>
           <a:xfrm>
             <a:off x="0" y="10155240"/>
-            <a:ext cx="3272040" cy="532440"/>
+            <a:ext cx="3271680" cy="532080"/>
           </a:xfrm>
           <a:prstGeom prst="rect">
             <a:avLst/>
@@ -1603,7 +1402,7 @@
         <p:spPr>
           <a:xfrm>
             <a:off x="1376280" y="1336680"/>
-            <a:ext cx="4803480" cy="3603240"/>
+            <a:ext cx="4803120" cy="3602880"/>
           </a:xfrm>
           <a:prstGeom prst="rect">
             <a:avLst/>
@@ -1626,7 +1425,7 @@
         <p:spPr>
           <a:xfrm>
             <a:off x="756000" y="5145120"/>
-            <a:ext cx="6043680" cy="4205880"/>
+            <a:ext cx="6043320" cy="4205520"/>
           </a:xfrm>
           <a:prstGeom prst="rect">
             <a:avLst/>
@@ -1656,7 +1455,7 @@
         <p:spPr>
           <a:xfrm>
             <a:off x="0" y="10155240"/>
-            <a:ext cx="3272040" cy="532440"/>
+            <a:ext cx="3271680" cy="532080"/>
           </a:xfrm>
           <a:prstGeom prst="rect">
             <a:avLst/>
@@ -1734,7 +1533,7 @@
         <p:spPr>
           <a:xfrm>
             <a:off x="1376280" y="1336680"/>
-            <a:ext cx="4803480" cy="3603240"/>
+            <a:ext cx="4803120" cy="3602880"/>
           </a:xfrm>
           <a:prstGeom prst="rect">
             <a:avLst/>
@@ -1757,7 +1556,7 @@
         <p:spPr>
           <a:xfrm>
             <a:off x="756000" y="5145120"/>
-            <a:ext cx="6043680" cy="4205880"/>
+            <a:ext cx="6043320" cy="4205520"/>
           </a:xfrm>
           <a:prstGeom prst="rect">
             <a:avLst/>
@@ -1787,7 +1586,7 @@
         <p:spPr>
           <a:xfrm>
             <a:off x="0" y="10155240"/>
-            <a:ext cx="3272040" cy="532440"/>
+            <a:ext cx="3271680" cy="532080"/>
           </a:xfrm>
           <a:prstGeom prst="rect">
             <a:avLst/>
@@ -1865,7 +1664,7 @@
         <p:spPr>
           <a:xfrm>
             <a:off x="1376280" y="1336680"/>
-            <a:ext cx="4803480" cy="3603240"/>
+            <a:ext cx="4803120" cy="3602880"/>
           </a:xfrm>
           <a:prstGeom prst="rect">
             <a:avLst/>
@@ -1888,7 +1687,7 @@
         <p:spPr>
           <a:xfrm>
             <a:off x="756000" y="5145120"/>
-            <a:ext cx="6043680" cy="4205880"/>
+            <a:ext cx="6043320" cy="4205520"/>
           </a:xfrm>
           <a:prstGeom prst="rect">
             <a:avLst/>
@@ -1918,7 +1717,7 @@
         <p:spPr>
           <a:xfrm>
             <a:off x="0" y="10155240"/>
-            <a:ext cx="3272040" cy="532440"/>
+            <a:ext cx="3271680" cy="532080"/>
           </a:xfrm>
           <a:prstGeom prst="rect">
             <a:avLst/>
@@ -1996,7 +1795,7 @@
         <p:spPr>
           <a:xfrm>
             <a:off x="1376280" y="1336680"/>
-            <a:ext cx="4803480" cy="3603240"/>
+            <a:ext cx="4803120" cy="3602880"/>
           </a:xfrm>
           <a:prstGeom prst="rect">
             <a:avLst/>
@@ -2019,7 +1818,7 @@
         <p:spPr>
           <a:xfrm>
             <a:off x="756000" y="5145120"/>
-            <a:ext cx="6043680" cy="4205880"/>
+            <a:ext cx="6043320" cy="4205520"/>
           </a:xfrm>
           <a:prstGeom prst="rect">
             <a:avLst/>
@@ -2049,7 +1848,7 @@
         <p:spPr>
           <a:xfrm>
             <a:off x="0" y="10155240"/>
-            <a:ext cx="3272040" cy="532440"/>
+            <a:ext cx="3271680" cy="532080"/>
           </a:xfrm>
           <a:prstGeom prst="rect">
             <a:avLst/>
@@ -2127,7 +1926,7 @@
         <p:spPr>
           <a:xfrm>
             <a:off x="1376280" y="1336680"/>
-            <a:ext cx="4803480" cy="3603240"/>
+            <a:ext cx="4803120" cy="3602880"/>
           </a:xfrm>
           <a:prstGeom prst="rect">
             <a:avLst/>
@@ -2150,7 +1949,7 @@
         <p:spPr>
           <a:xfrm>
             <a:off x="756000" y="5145120"/>
-            <a:ext cx="6043680" cy="4205880"/>
+            <a:ext cx="6043320" cy="4205520"/>
           </a:xfrm>
           <a:prstGeom prst="rect">
             <a:avLst/>
@@ -2180,7 +1979,7 @@
         <p:spPr>
           <a:xfrm>
             <a:off x="0" y="10155240"/>
-            <a:ext cx="3272040" cy="532440"/>
+            <a:ext cx="3271680" cy="532080"/>
           </a:xfrm>
           <a:prstGeom prst="rect">
             <a:avLst/>
@@ -2258,7 +2057,7 @@
         <p:spPr>
           <a:xfrm>
             <a:off x="1376280" y="1336680"/>
-            <a:ext cx="4803480" cy="3603240"/>
+            <a:ext cx="4803120" cy="3602880"/>
           </a:xfrm>
           <a:prstGeom prst="rect">
             <a:avLst/>
@@ -2281,7 +2080,7 @@
         <p:spPr>
           <a:xfrm>
             <a:off x="756000" y="5145120"/>
-            <a:ext cx="6043680" cy="4205880"/>
+            <a:ext cx="6043320" cy="4205520"/>
           </a:xfrm>
           <a:prstGeom prst="rect">
             <a:avLst/>
@@ -2311,7 +2110,7 @@
         <p:spPr>
           <a:xfrm>
             <a:off x="0" y="10155240"/>
-            <a:ext cx="3272040" cy="532440"/>
+            <a:ext cx="3271680" cy="532080"/>
           </a:xfrm>
           <a:prstGeom prst="rect">
             <a:avLst/>
@@ -2426,10 +2225,10 @@
             <a:noAutofit/>
           </a:bodyPr>
           <a:p>
-            <a:endParaRPr b="0" lang="pt-BR" sz="1800" spc="-1" strike="noStrike">
-              <a:solidFill>
-                <a:srgbClr val="000000"/>
-              </a:solidFill>
+            <a:pPr algn="ctr">
+              <a:buNone/>
+            </a:pPr>
+            <a:endParaRPr b="0" lang="pt-BR" sz="4400" spc="-1" strike="noStrike">
               <a:latin typeface="Arial"/>
             </a:endParaRPr>
           </a:p>
@@ -2463,19 +2262,7 @@
             <a:normAutofit/>
           </a:bodyPr>
           <a:p>
-            <a:pPr>
-              <a:lnSpc>
-                <a:spcPct val="90000"/>
-              </a:lnSpc>
-              <a:spcBef>
-                <a:spcPts val="1417"/>
-              </a:spcBef>
-              <a:buNone/>
-            </a:pPr>
-            <a:endParaRPr b="0" lang="pt-BR" sz="2800" spc="-1" strike="noStrike">
-              <a:solidFill>
-                <a:srgbClr val="000000"/>
-              </a:solidFill>
+            <a:endParaRPr b="0" lang="pt-BR" sz="3200" spc="-1" strike="noStrike">
               <a:latin typeface="Arial"/>
             </a:endParaRPr>
           </a:p>
@@ -2509,19 +2296,7 @@
             <a:normAutofit/>
           </a:bodyPr>
           <a:p>
-            <a:pPr>
-              <a:lnSpc>
-                <a:spcPct val="90000"/>
-              </a:lnSpc>
-              <a:spcBef>
-                <a:spcPts val="1417"/>
-              </a:spcBef>
-              <a:buNone/>
-            </a:pPr>
-            <a:endParaRPr b="0" lang="pt-BR" sz="2800" spc="-1" strike="noStrike">
-              <a:solidFill>
-                <a:srgbClr val="000000"/>
-              </a:solidFill>
+            <a:endParaRPr b="0" lang="pt-BR" sz="3200" spc="-1" strike="noStrike">
               <a:latin typeface="Arial"/>
             </a:endParaRPr>
           </a:p>
@@ -2577,10 +2352,10 @@
             <a:noAutofit/>
           </a:bodyPr>
           <a:p>
-            <a:endParaRPr b="0" lang="pt-BR" sz="1800" spc="-1" strike="noStrike">
-              <a:solidFill>
-                <a:srgbClr val="000000"/>
-              </a:solidFill>
+            <a:pPr algn="ctr">
+              <a:buNone/>
+            </a:pPr>
+            <a:endParaRPr b="0" lang="pt-BR" sz="4400" spc="-1" strike="noStrike">
               <a:latin typeface="Arial"/>
             </a:endParaRPr>
           </a:p>
@@ -2614,19 +2389,7 @@
             <a:normAutofit/>
           </a:bodyPr>
           <a:p>
-            <a:pPr>
-              <a:lnSpc>
-                <a:spcPct val="90000"/>
-              </a:lnSpc>
-              <a:spcBef>
-                <a:spcPts val="1417"/>
-              </a:spcBef>
-              <a:buNone/>
-            </a:pPr>
-            <a:endParaRPr b="0" lang="pt-BR" sz="2800" spc="-1" strike="noStrike">
-              <a:solidFill>
-                <a:srgbClr val="000000"/>
-              </a:solidFill>
+            <a:endParaRPr b="0" lang="pt-BR" sz="3200" spc="-1" strike="noStrike">
               <a:latin typeface="Arial"/>
             </a:endParaRPr>
           </a:p>
@@ -2660,19 +2423,7 @@
             <a:normAutofit/>
           </a:bodyPr>
           <a:p>
-            <a:pPr>
-              <a:lnSpc>
-                <a:spcPct val="90000"/>
-              </a:lnSpc>
-              <a:spcBef>
-                <a:spcPts val="1417"/>
-              </a:spcBef>
-              <a:buNone/>
-            </a:pPr>
-            <a:endParaRPr b="0" lang="pt-BR" sz="2800" spc="-1" strike="noStrike">
-              <a:solidFill>
-                <a:srgbClr val="000000"/>
-              </a:solidFill>
+            <a:endParaRPr b="0" lang="pt-BR" sz="3200" spc="-1" strike="noStrike">
               <a:latin typeface="Arial"/>
             </a:endParaRPr>
           </a:p>
@@ -2706,19 +2457,7 @@
             <a:normAutofit/>
           </a:bodyPr>
           <a:p>
-            <a:pPr>
-              <a:lnSpc>
-                <a:spcPct val="90000"/>
-              </a:lnSpc>
-              <a:spcBef>
-                <a:spcPts val="1417"/>
-              </a:spcBef>
-              <a:buNone/>
-            </a:pPr>
-            <a:endParaRPr b="0" lang="pt-BR" sz="2800" spc="-1" strike="noStrike">
-              <a:solidFill>
-                <a:srgbClr val="000000"/>
-              </a:solidFill>
+            <a:endParaRPr b="0" lang="pt-BR" sz="3200" spc="-1" strike="noStrike">
               <a:latin typeface="Arial"/>
             </a:endParaRPr>
           </a:p>
@@ -2752,19 +2491,7 @@
             <a:normAutofit/>
           </a:bodyPr>
           <a:p>
-            <a:pPr>
-              <a:lnSpc>
-                <a:spcPct val="90000"/>
-              </a:lnSpc>
-              <a:spcBef>
-                <a:spcPts val="1417"/>
-              </a:spcBef>
-              <a:buNone/>
-            </a:pPr>
-            <a:endParaRPr b="0" lang="pt-BR" sz="2800" spc="-1" strike="noStrike">
-              <a:solidFill>
-                <a:srgbClr val="000000"/>
-              </a:solidFill>
+            <a:endParaRPr b="0" lang="pt-BR" sz="3200" spc="-1" strike="noStrike">
               <a:latin typeface="Arial"/>
             </a:endParaRPr>
           </a:p>
@@ -2820,10 +2547,10 @@
             <a:noAutofit/>
           </a:bodyPr>
           <a:p>
-            <a:endParaRPr b="0" lang="pt-BR" sz="1800" spc="-1" strike="noStrike">
-              <a:solidFill>
-                <a:srgbClr val="000000"/>
-              </a:solidFill>
+            <a:pPr algn="ctr">
+              <a:buNone/>
+            </a:pPr>
+            <a:endParaRPr b="0" lang="pt-BR" sz="4400" spc="-1" strike="noStrike">
               <a:latin typeface="Arial"/>
             </a:endParaRPr>
           </a:p>
@@ -2857,19 +2584,7 @@
             <a:normAutofit/>
           </a:bodyPr>
           <a:p>
-            <a:pPr>
-              <a:lnSpc>
-                <a:spcPct val="90000"/>
-              </a:lnSpc>
-              <a:spcBef>
-                <a:spcPts val="1417"/>
-              </a:spcBef>
-              <a:buNone/>
-            </a:pPr>
-            <a:endParaRPr b="0" lang="pt-BR" sz="2800" spc="-1" strike="noStrike">
-              <a:solidFill>
-                <a:srgbClr val="000000"/>
-              </a:solidFill>
+            <a:endParaRPr b="0" lang="pt-BR" sz="3200" spc="-1" strike="noStrike">
               <a:latin typeface="Arial"/>
             </a:endParaRPr>
           </a:p>
@@ -2903,19 +2618,7 @@
             <a:normAutofit/>
           </a:bodyPr>
           <a:p>
-            <a:pPr>
-              <a:lnSpc>
-                <a:spcPct val="90000"/>
-              </a:lnSpc>
-              <a:spcBef>
-                <a:spcPts val="1417"/>
-              </a:spcBef>
-              <a:buNone/>
-            </a:pPr>
-            <a:endParaRPr b="0" lang="pt-BR" sz="2800" spc="-1" strike="noStrike">
-              <a:solidFill>
-                <a:srgbClr val="000000"/>
-              </a:solidFill>
+            <a:endParaRPr b="0" lang="pt-BR" sz="3200" spc="-1" strike="noStrike">
               <a:latin typeface="Arial"/>
             </a:endParaRPr>
           </a:p>
@@ -2949,19 +2652,7 @@
             <a:normAutofit/>
           </a:bodyPr>
           <a:p>
-            <a:pPr>
-              <a:lnSpc>
-                <a:spcPct val="90000"/>
-              </a:lnSpc>
-              <a:spcBef>
-                <a:spcPts val="1417"/>
-              </a:spcBef>
-              <a:buNone/>
-            </a:pPr>
-            <a:endParaRPr b="0" lang="pt-BR" sz="2800" spc="-1" strike="noStrike">
-              <a:solidFill>
-                <a:srgbClr val="000000"/>
-              </a:solidFill>
+            <a:endParaRPr b="0" lang="pt-BR" sz="3200" spc="-1" strike="noStrike">
               <a:latin typeface="Arial"/>
             </a:endParaRPr>
           </a:p>
@@ -2995,19 +2686,7 @@
             <a:normAutofit/>
           </a:bodyPr>
           <a:p>
-            <a:pPr>
-              <a:lnSpc>
-                <a:spcPct val="90000"/>
-              </a:lnSpc>
-              <a:spcBef>
-                <a:spcPts val="1417"/>
-              </a:spcBef>
-              <a:buNone/>
-            </a:pPr>
-            <a:endParaRPr b="0" lang="pt-BR" sz="2800" spc="-1" strike="noStrike">
-              <a:solidFill>
-                <a:srgbClr val="000000"/>
-              </a:solidFill>
+            <a:endParaRPr b="0" lang="pt-BR" sz="3200" spc="-1" strike="noStrike">
               <a:latin typeface="Arial"/>
             </a:endParaRPr>
           </a:p>
@@ -3041,19 +2720,7 @@
             <a:normAutofit/>
           </a:bodyPr>
           <a:p>
-            <a:pPr>
-              <a:lnSpc>
-                <a:spcPct val="90000"/>
-              </a:lnSpc>
-              <a:spcBef>
-                <a:spcPts val="1417"/>
-              </a:spcBef>
-              <a:buNone/>
-            </a:pPr>
-            <a:endParaRPr b="0" lang="pt-BR" sz="2800" spc="-1" strike="noStrike">
-              <a:solidFill>
-                <a:srgbClr val="000000"/>
-              </a:solidFill>
+            <a:endParaRPr b="0" lang="pt-BR" sz="3200" spc="-1" strike="noStrike">
               <a:latin typeface="Arial"/>
             </a:endParaRPr>
           </a:p>
@@ -3087,19 +2754,7 @@
             <a:normAutofit/>
           </a:bodyPr>
           <a:p>
-            <a:pPr>
-              <a:lnSpc>
-                <a:spcPct val="90000"/>
-              </a:lnSpc>
-              <a:spcBef>
-                <a:spcPts val="1417"/>
-              </a:spcBef>
-              <a:buNone/>
-            </a:pPr>
-            <a:endParaRPr b="0" lang="pt-BR" sz="2800" spc="-1" strike="noStrike">
-              <a:solidFill>
-                <a:srgbClr val="000000"/>
-              </a:solidFill>
+            <a:endParaRPr b="0" lang="pt-BR" sz="3200" spc="-1" strike="noStrike">
               <a:latin typeface="Arial"/>
             </a:endParaRPr>
           </a:p>
@@ -3177,10 +2832,10 @@
             <a:noAutofit/>
           </a:bodyPr>
           <a:p>
-            <a:endParaRPr b="0" lang="pt-BR" sz="1800" spc="-1" strike="noStrike">
-              <a:solidFill>
-                <a:srgbClr val="000000"/>
-              </a:solidFill>
+            <a:pPr algn="ctr">
+              <a:buNone/>
+            </a:pPr>
+            <a:endParaRPr b="0" lang="pt-BR" sz="4400" spc="-1" strike="noStrike">
               <a:latin typeface="Arial"/>
             </a:endParaRPr>
           </a:p>
@@ -3273,10 +2928,10 @@
             <a:noAutofit/>
           </a:bodyPr>
           <a:p>
-            <a:endParaRPr b="0" lang="pt-BR" sz="1800" spc="-1" strike="noStrike">
-              <a:solidFill>
-                <a:srgbClr val="000000"/>
-              </a:solidFill>
+            <a:pPr algn="ctr">
+              <a:buNone/>
+            </a:pPr>
+            <a:endParaRPr b="0" lang="pt-BR" sz="4400" spc="-1" strike="noStrike">
               <a:latin typeface="Arial"/>
             </a:endParaRPr>
           </a:p>
@@ -3310,19 +2965,7 @@
             <a:normAutofit/>
           </a:bodyPr>
           <a:p>
-            <a:pPr>
-              <a:lnSpc>
-                <a:spcPct val="90000"/>
-              </a:lnSpc>
-              <a:spcBef>
-                <a:spcPts val="1417"/>
-              </a:spcBef>
-              <a:buNone/>
-            </a:pPr>
-            <a:endParaRPr b="0" lang="pt-BR" sz="2800" spc="-1" strike="noStrike">
-              <a:solidFill>
-                <a:srgbClr val="000000"/>
-              </a:solidFill>
+            <a:endParaRPr b="0" lang="pt-BR" sz="3200" spc="-1" strike="noStrike">
               <a:latin typeface="Arial"/>
             </a:endParaRPr>
           </a:p>
@@ -3378,10 +3021,10 @@
             <a:noAutofit/>
           </a:bodyPr>
           <a:p>
-            <a:endParaRPr b="0" lang="pt-BR" sz="1800" spc="-1" strike="noStrike">
-              <a:solidFill>
-                <a:srgbClr val="000000"/>
-              </a:solidFill>
+            <a:pPr algn="ctr">
+              <a:buNone/>
+            </a:pPr>
+            <a:endParaRPr b="0" lang="pt-BR" sz="4400" spc="-1" strike="noStrike">
               <a:latin typeface="Arial"/>
             </a:endParaRPr>
           </a:p>
@@ -3415,19 +3058,7 @@
             <a:normAutofit/>
           </a:bodyPr>
           <a:p>
-            <a:pPr>
-              <a:lnSpc>
-                <a:spcPct val="90000"/>
-              </a:lnSpc>
-              <a:spcBef>
-                <a:spcPts val="1417"/>
-              </a:spcBef>
-              <a:buNone/>
-            </a:pPr>
-            <a:endParaRPr b="0" lang="pt-BR" sz="2800" spc="-1" strike="noStrike">
-              <a:solidFill>
-                <a:srgbClr val="000000"/>
-              </a:solidFill>
+            <a:endParaRPr b="0" lang="pt-BR" sz="3200" spc="-1" strike="noStrike">
               <a:latin typeface="Arial"/>
             </a:endParaRPr>
           </a:p>
@@ -3461,19 +3092,7 @@
             <a:normAutofit/>
           </a:bodyPr>
           <a:p>
-            <a:pPr>
-              <a:lnSpc>
-                <a:spcPct val="90000"/>
-              </a:lnSpc>
-              <a:spcBef>
-                <a:spcPts val="1417"/>
-              </a:spcBef>
-              <a:buNone/>
-            </a:pPr>
-            <a:endParaRPr b="0" lang="pt-BR" sz="2800" spc="-1" strike="noStrike">
-              <a:solidFill>
-                <a:srgbClr val="000000"/>
-              </a:solidFill>
+            <a:endParaRPr b="0" lang="pt-BR" sz="3200" spc="-1" strike="noStrike">
               <a:latin typeface="Arial"/>
             </a:endParaRPr>
           </a:p>
@@ -3529,10 +3148,10 @@
             <a:noAutofit/>
           </a:bodyPr>
           <a:p>
-            <a:endParaRPr b="0" lang="pt-BR" sz="1800" spc="-1" strike="noStrike">
-              <a:solidFill>
-                <a:srgbClr val="000000"/>
-              </a:solidFill>
+            <a:pPr algn="ctr">
+              <a:buNone/>
+            </a:pPr>
+            <a:endParaRPr b="0" lang="pt-BR" sz="4400" spc="-1" strike="noStrike">
               <a:latin typeface="Arial"/>
             </a:endParaRPr>
           </a:p>
@@ -3647,10 +3266,10 @@
             <a:noAutofit/>
           </a:bodyPr>
           <a:p>
-            <a:endParaRPr b="0" lang="pt-BR" sz="1800" spc="-1" strike="noStrike">
-              <a:solidFill>
-                <a:srgbClr val="000000"/>
-              </a:solidFill>
+            <a:pPr algn="ctr">
+              <a:buNone/>
+            </a:pPr>
+            <a:endParaRPr b="0" lang="pt-BR" sz="4400" spc="-1" strike="noStrike">
               <a:latin typeface="Arial"/>
             </a:endParaRPr>
           </a:p>
@@ -3684,19 +3303,7 @@
             <a:normAutofit/>
           </a:bodyPr>
           <a:p>
-            <a:pPr>
-              <a:lnSpc>
-                <a:spcPct val="90000"/>
-              </a:lnSpc>
-              <a:spcBef>
-                <a:spcPts val="1417"/>
-              </a:spcBef>
-              <a:buNone/>
-            </a:pPr>
-            <a:endParaRPr b="0" lang="pt-BR" sz="2800" spc="-1" strike="noStrike">
-              <a:solidFill>
-                <a:srgbClr val="000000"/>
-              </a:solidFill>
+            <a:endParaRPr b="0" lang="pt-BR" sz="3200" spc="-1" strike="noStrike">
               <a:latin typeface="Arial"/>
             </a:endParaRPr>
           </a:p>
@@ -3730,19 +3337,7 @@
             <a:normAutofit/>
           </a:bodyPr>
           <a:p>
-            <a:pPr>
-              <a:lnSpc>
-                <a:spcPct val="90000"/>
-              </a:lnSpc>
-              <a:spcBef>
-                <a:spcPts val="1417"/>
-              </a:spcBef>
-              <a:buNone/>
-            </a:pPr>
-            <a:endParaRPr b="0" lang="pt-BR" sz="2800" spc="-1" strike="noStrike">
-              <a:solidFill>
-                <a:srgbClr val="000000"/>
-              </a:solidFill>
+            <a:endParaRPr b="0" lang="pt-BR" sz="3200" spc="-1" strike="noStrike">
               <a:latin typeface="Arial"/>
             </a:endParaRPr>
           </a:p>
@@ -3776,19 +3371,7 @@
             <a:normAutofit/>
           </a:bodyPr>
           <a:p>
-            <a:pPr>
-              <a:lnSpc>
-                <a:spcPct val="90000"/>
-              </a:lnSpc>
-              <a:spcBef>
-                <a:spcPts val="1417"/>
-              </a:spcBef>
-              <a:buNone/>
-            </a:pPr>
-            <a:endParaRPr b="0" lang="pt-BR" sz="2800" spc="-1" strike="noStrike">
-              <a:solidFill>
-                <a:srgbClr val="000000"/>
-              </a:solidFill>
+            <a:endParaRPr b="0" lang="pt-BR" sz="3200" spc="-1" strike="noStrike">
               <a:latin typeface="Arial"/>
             </a:endParaRPr>
           </a:p>
@@ -3844,10 +3427,10 @@
             <a:noAutofit/>
           </a:bodyPr>
           <a:p>
-            <a:endParaRPr b="0" lang="pt-BR" sz="1800" spc="-1" strike="noStrike">
-              <a:solidFill>
-                <a:srgbClr val="000000"/>
-              </a:solidFill>
+            <a:pPr algn="ctr">
+              <a:buNone/>
+            </a:pPr>
+            <a:endParaRPr b="0" lang="pt-BR" sz="4400" spc="-1" strike="noStrike">
               <a:latin typeface="Arial"/>
             </a:endParaRPr>
           </a:p>
@@ -3940,10 +3523,10 @@
             <a:noAutofit/>
           </a:bodyPr>
           <a:p>
-            <a:endParaRPr b="0" lang="pt-BR" sz="1800" spc="-1" strike="noStrike">
-              <a:solidFill>
-                <a:srgbClr val="000000"/>
-              </a:solidFill>
+            <a:pPr algn="ctr">
+              <a:buNone/>
+            </a:pPr>
+            <a:endParaRPr b="0" lang="pt-BR" sz="4400" spc="-1" strike="noStrike">
               <a:latin typeface="Arial"/>
             </a:endParaRPr>
           </a:p>
@@ -3977,19 +3560,7 @@
             <a:normAutofit/>
           </a:bodyPr>
           <a:p>
-            <a:pPr>
-              <a:lnSpc>
-                <a:spcPct val="90000"/>
-              </a:lnSpc>
-              <a:spcBef>
-                <a:spcPts val="1417"/>
-              </a:spcBef>
-              <a:buNone/>
-            </a:pPr>
-            <a:endParaRPr b="0" lang="pt-BR" sz="2800" spc="-1" strike="noStrike">
-              <a:solidFill>
-                <a:srgbClr val="000000"/>
-              </a:solidFill>
+            <a:endParaRPr b="0" lang="pt-BR" sz="3200" spc="-1" strike="noStrike">
               <a:latin typeface="Arial"/>
             </a:endParaRPr>
           </a:p>
@@ -4023,19 +3594,7 @@
             <a:normAutofit/>
           </a:bodyPr>
           <a:p>
-            <a:pPr>
-              <a:lnSpc>
-                <a:spcPct val="90000"/>
-              </a:lnSpc>
-              <a:spcBef>
-                <a:spcPts val="1417"/>
-              </a:spcBef>
-              <a:buNone/>
-            </a:pPr>
-            <a:endParaRPr b="0" lang="pt-BR" sz="2800" spc="-1" strike="noStrike">
-              <a:solidFill>
-                <a:srgbClr val="000000"/>
-              </a:solidFill>
+            <a:endParaRPr b="0" lang="pt-BR" sz="3200" spc="-1" strike="noStrike">
               <a:latin typeface="Arial"/>
             </a:endParaRPr>
           </a:p>
@@ -4069,19 +3628,7 @@
             <a:normAutofit/>
           </a:bodyPr>
           <a:p>
-            <a:pPr>
-              <a:lnSpc>
-                <a:spcPct val="90000"/>
-              </a:lnSpc>
-              <a:spcBef>
-                <a:spcPts val="1417"/>
-              </a:spcBef>
-              <a:buNone/>
-            </a:pPr>
-            <a:endParaRPr b="0" lang="pt-BR" sz="2800" spc="-1" strike="noStrike">
-              <a:solidFill>
-                <a:srgbClr val="000000"/>
-              </a:solidFill>
+            <a:endParaRPr b="0" lang="pt-BR" sz="3200" spc="-1" strike="noStrike">
               <a:latin typeface="Arial"/>
             </a:endParaRPr>
           </a:p>
@@ -4137,10 +3684,10 @@
             <a:noAutofit/>
           </a:bodyPr>
           <a:p>
-            <a:endParaRPr b="0" lang="pt-BR" sz="1800" spc="-1" strike="noStrike">
-              <a:solidFill>
-                <a:srgbClr val="000000"/>
-              </a:solidFill>
+            <a:pPr algn="ctr">
+              <a:buNone/>
+            </a:pPr>
+            <a:endParaRPr b="0" lang="pt-BR" sz="4400" spc="-1" strike="noStrike">
               <a:latin typeface="Arial"/>
             </a:endParaRPr>
           </a:p>
@@ -4174,19 +3721,7 @@
             <a:normAutofit/>
           </a:bodyPr>
           <a:p>
-            <a:pPr>
-              <a:lnSpc>
-                <a:spcPct val="90000"/>
-              </a:lnSpc>
-              <a:spcBef>
-                <a:spcPts val="1417"/>
-              </a:spcBef>
-              <a:buNone/>
-            </a:pPr>
-            <a:endParaRPr b="0" lang="pt-BR" sz="2800" spc="-1" strike="noStrike">
-              <a:solidFill>
-                <a:srgbClr val="000000"/>
-              </a:solidFill>
+            <a:endParaRPr b="0" lang="pt-BR" sz="3200" spc="-1" strike="noStrike">
               <a:latin typeface="Arial"/>
             </a:endParaRPr>
           </a:p>
@@ -4220,19 +3755,7 @@
             <a:normAutofit/>
           </a:bodyPr>
           <a:p>
-            <a:pPr>
-              <a:lnSpc>
-                <a:spcPct val="90000"/>
-              </a:lnSpc>
-              <a:spcBef>
-                <a:spcPts val="1417"/>
-              </a:spcBef>
-              <a:buNone/>
-            </a:pPr>
-            <a:endParaRPr b="0" lang="pt-BR" sz="2800" spc="-1" strike="noStrike">
-              <a:solidFill>
-                <a:srgbClr val="000000"/>
-              </a:solidFill>
+            <a:endParaRPr b="0" lang="pt-BR" sz="3200" spc="-1" strike="noStrike">
               <a:latin typeface="Arial"/>
             </a:endParaRPr>
           </a:p>
@@ -4266,19 +3789,7 @@
             <a:normAutofit/>
           </a:bodyPr>
           <a:p>
-            <a:pPr>
-              <a:lnSpc>
-                <a:spcPct val="90000"/>
-              </a:lnSpc>
-              <a:spcBef>
-                <a:spcPts val="1417"/>
-              </a:spcBef>
-              <a:buNone/>
-            </a:pPr>
-            <a:endParaRPr b="0" lang="pt-BR" sz="2800" spc="-1" strike="noStrike">
-              <a:solidFill>
-                <a:srgbClr val="000000"/>
-              </a:solidFill>
+            <a:endParaRPr b="0" lang="pt-BR" sz="3200" spc="-1" strike="noStrike">
               <a:latin typeface="Arial"/>
             </a:endParaRPr>
           </a:p>
@@ -4334,10 +3845,10 @@
             <a:noAutofit/>
           </a:bodyPr>
           <a:p>
-            <a:endParaRPr b="0" lang="pt-BR" sz="1800" spc="-1" strike="noStrike">
-              <a:solidFill>
-                <a:srgbClr val="000000"/>
-              </a:solidFill>
+            <a:pPr algn="ctr">
+              <a:buNone/>
+            </a:pPr>
+            <a:endParaRPr b="0" lang="pt-BR" sz="4400" spc="-1" strike="noStrike">
               <a:latin typeface="Arial"/>
             </a:endParaRPr>
           </a:p>
@@ -4371,19 +3882,7 @@
             <a:normAutofit/>
           </a:bodyPr>
           <a:p>
-            <a:pPr>
-              <a:lnSpc>
-                <a:spcPct val="90000"/>
-              </a:lnSpc>
-              <a:spcBef>
-                <a:spcPts val="1417"/>
-              </a:spcBef>
-              <a:buNone/>
-            </a:pPr>
-            <a:endParaRPr b="0" lang="pt-BR" sz="2800" spc="-1" strike="noStrike">
-              <a:solidFill>
-                <a:srgbClr val="000000"/>
-              </a:solidFill>
+            <a:endParaRPr b="0" lang="pt-BR" sz="3200" spc="-1" strike="noStrike">
               <a:latin typeface="Arial"/>
             </a:endParaRPr>
           </a:p>
@@ -4417,19 +3916,7 @@
             <a:normAutofit/>
           </a:bodyPr>
           <a:p>
-            <a:pPr>
-              <a:lnSpc>
-                <a:spcPct val="90000"/>
-              </a:lnSpc>
-              <a:spcBef>
-                <a:spcPts val="1417"/>
-              </a:spcBef>
-              <a:buNone/>
-            </a:pPr>
-            <a:endParaRPr b="0" lang="pt-BR" sz="2800" spc="-1" strike="noStrike">
-              <a:solidFill>
-                <a:srgbClr val="000000"/>
-              </a:solidFill>
+            <a:endParaRPr b="0" lang="pt-BR" sz="3200" spc="-1" strike="noStrike">
               <a:latin typeface="Arial"/>
             </a:endParaRPr>
           </a:p>
@@ -4485,10 +3972,10 @@
             <a:noAutofit/>
           </a:bodyPr>
           <a:p>
-            <a:endParaRPr b="0" lang="pt-BR" sz="1800" spc="-1" strike="noStrike">
-              <a:solidFill>
-                <a:srgbClr val="000000"/>
-              </a:solidFill>
+            <a:pPr algn="ctr">
+              <a:buNone/>
+            </a:pPr>
+            <a:endParaRPr b="0" lang="pt-BR" sz="4400" spc="-1" strike="noStrike">
               <a:latin typeface="Arial"/>
             </a:endParaRPr>
           </a:p>
@@ -4522,19 +4009,7 @@
             <a:normAutofit/>
           </a:bodyPr>
           <a:p>
-            <a:pPr>
-              <a:lnSpc>
-                <a:spcPct val="90000"/>
-              </a:lnSpc>
-              <a:spcBef>
-                <a:spcPts val="1417"/>
-              </a:spcBef>
-              <a:buNone/>
-            </a:pPr>
-            <a:endParaRPr b="0" lang="pt-BR" sz="2800" spc="-1" strike="noStrike">
-              <a:solidFill>
-                <a:srgbClr val="000000"/>
-              </a:solidFill>
+            <a:endParaRPr b="0" lang="pt-BR" sz="3200" spc="-1" strike="noStrike">
               <a:latin typeface="Arial"/>
             </a:endParaRPr>
           </a:p>
@@ -4568,19 +4043,7 @@
             <a:normAutofit/>
           </a:bodyPr>
           <a:p>
-            <a:pPr>
-              <a:lnSpc>
-                <a:spcPct val="90000"/>
-              </a:lnSpc>
-              <a:spcBef>
-                <a:spcPts val="1417"/>
-              </a:spcBef>
-              <a:buNone/>
-            </a:pPr>
-            <a:endParaRPr b="0" lang="pt-BR" sz="2800" spc="-1" strike="noStrike">
-              <a:solidFill>
-                <a:srgbClr val="000000"/>
-              </a:solidFill>
+            <a:endParaRPr b="0" lang="pt-BR" sz="3200" spc="-1" strike="noStrike">
               <a:latin typeface="Arial"/>
             </a:endParaRPr>
           </a:p>
@@ -4614,19 +4077,7 @@
             <a:normAutofit/>
           </a:bodyPr>
           <a:p>
-            <a:pPr>
-              <a:lnSpc>
-                <a:spcPct val="90000"/>
-              </a:lnSpc>
-              <a:spcBef>
-                <a:spcPts val="1417"/>
-              </a:spcBef>
-              <a:buNone/>
-            </a:pPr>
-            <a:endParaRPr b="0" lang="pt-BR" sz="2800" spc="-1" strike="noStrike">
-              <a:solidFill>
-                <a:srgbClr val="000000"/>
-              </a:solidFill>
+            <a:endParaRPr b="0" lang="pt-BR" sz="3200" spc="-1" strike="noStrike">
               <a:latin typeface="Arial"/>
             </a:endParaRPr>
           </a:p>
@@ -4660,19 +4111,7 @@
             <a:normAutofit/>
           </a:bodyPr>
           <a:p>
-            <a:pPr>
-              <a:lnSpc>
-                <a:spcPct val="90000"/>
-              </a:lnSpc>
-              <a:spcBef>
-                <a:spcPts val="1417"/>
-              </a:spcBef>
-              <a:buNone/>
-            </a:pPr>
-            <a:endParaRPr b="0" lang="pt-BR" sz="2800" spc="-1" strike="noStrike">
-              <a:solidFill>
-                <a:srgbClr val="000000"/>
-              </a:solidFill>
+            <a:endParaRPr b="0" lang="pt-BR" sz="3200" spc="-1" strike="noStrike">
               <a:latin typeface="Arial"/>
             </a:endParaRPr>
           </a:p>
@@ -4728,10 +4167,10 @@
             <a:noAutofit/>
           </a:bodyPr>
           <a:p>
-            <a:endParaRPr b="0" lang="pt-BR" sz="1800" spc="-1" strike="noStrike">
-              <a:solidFill>
-                <a:srgbClr val="000000"/>
-              </a:solidFill>
+            <a:pPr algn="ctr">
+              <a:buNone/>
+            </a:pPr>
+            <a:endParaRPr b="0" lang="pt-BR" sz="4400" spc="-1" strike="noStrike">
               <a:latin typeface="Arial"/>
             </a:endParaRPr>
           </a:p>
@@ -4765,19 +4204,7 @@
             <a:normAutofit/>
           </a:bodyPr>
           <a:p>
-            <a:pPr>
-              <a:lnSpc>
-                <a:spcPct val="90000"/>
-              </a:lnSpc>
-              <a:spcBef>
-                <a:spcPts val="1417"/>
-              </a:spcBef>
-              <a:buNone/>
-            </a:pPr>
-            <a:endParaRPr b="0" lang="pt-BR" sz="2800" spc="-1" strike="noStrike">
-              <a:solidFill>
-                <a:srgbClr val="000000"/>
-              </a:solidFill>
+            <a:endParaRPr b="0" lang="pt-BR" sz="3200" spc="-1" strike="noStrike">
               <a:latin typeface="Arial"/>
             </a:endParaRPr>
           </a:p>
@@ -4811,19 +4238,7 @@
             <a:normAutofit/>
           </a:bodyPr>
           <a:p>
-            <a:pPr>
-              <a:lnSpc>
-                <a:spcPct val="90000"/>
-              </a:lnSpc>
-              <a:spcBef>
-                <a:spcPts val="1417"/>
-              </a:spcBef>
-              <a:buNone/>
-            </a:pPr>
-            <a:endParaRPr b="0" lang="pt-BR" sz="2800" spc="-1" strike="noStrike">
-              <a:solidFill>
-                <a:srgbClr val="000000"/>
-              </a:solidFill>
+            <a:endParaRPr b="0" lang="pt-BR" sz="3200" spc="-1" strike="noStrike">
               <a:latin typeface="Arial"/>
             </a:endParaRPr>
           </a:p>
@@ -4857,19 +4272,7 @@
             <a:normAutofit/>
           </a:bodyPr>
           <a:p>
-            <a:pPr>
-              <a:lnSpc>
-                <a:spcPct val="90000"/>
-              </a:lnSpc>
-              <a:spcBef>
-                <a:spcPts val="1417"/>
-              </a:spcBef>
-              <a:buNone/>
-            </a:pPr>
-            <a:endParaRPr b="0" lang="pt-BR" sz="2800" spc="-1" strike="noStrike">
-              <a:solidFill>
-                <a:srgbClr val="000000"/>
-              </a:solidFill>
+            <a:endParaRPr b="0" lang="pt-BR" sz="3200" spc="-1" strike="noStrike">
               <a:latin typeface="Arial"/>
             </a:endParaRPr>
           </a:p>
@@ -4903,19 +4306,7 @@
             <a:normAutofit/>
           </a:bodyPr>
           <a:p>
-            <a:pPr>
-              <a:lnSpc>
-                <a:spcPct val="90000"/>
-              </a:lnSpc>
-              <a:spcBef>
-                <a:spcPts val="1417"/>
-              </a:spcBef>
-              <a:buNone/>
-            </a:pPr>
-            <a:endParaRPr b="0" lang="pt-BR" sz="2800" spc="-1" strike="noStrike">
-              <a:solidFill>
-                <a:srgbClr val="000000"/>
-              </a:solidFill>
+            <a:endParaRPr b="0" lang="pt-BR" sz="3200" spc="-1" strike="noStrike">
               <a:latin typeface="Arial"/>
             </a:endParaRPr>
           </a:p>
@@ -4949,19 +4340,7 @@
             <a:normAutofit/>
           </a:bodyPr>
           <a:p>
-            <a:pPr>
-              <a:lnSpc>
-                <a:spcPct val="90000"/>
-              </a:lnSpc>
-              <a:spcBef>
-                <a:spcPts val="1417"/>
-              </a:spcBef>
-              <a:buNone/>
-            </a:pPr>
-            <a:endParaRPr b="0" lang="pt-BR" sz="2800" spc="-1" strike="noStrike">
-              <a:solidFill>
-                <a:srgbClr val="000000"/>
-              </a:solidFill>
+            <a:endParaRPr b="0" lang="pt-BR" sz="3200" spc="-1" strike="noStrike">
               <a:latin typeface="Arial"/>
             </a:endParaRPr>
           </a:p>
@@ -4995,19 +4374,7 @@
             <a:normAutofit/>
           </a:bodyPr>
           <a:p>
-            <a:pPr>
-              <a:lnSpc>
-                <a:spcPct val="90000"/>
-              </a:lnSpc>
-              <a:spcBef>
-                <a:spcPts val="1417"/>
-              </a:spcBef>
-              <a:buNone/>
-            </a:pPr>
-            <a:endParaRPr b="0" lang="pt-BR" sz="2800" spc="-1" strike="noStrike">
-              <a:solidFill>
-                <a:srgbClr val="000000"/>
-              </a:solidFill>
+            <a:endParaRPr b="0" lang="pt-BR" sz="3200" spc="-1" strike="noStrike">
               <a:latin typeface="Arial"/>
             </a:endParaRPr>
           </a:p>
@@ -5063,10 +4430,10 @@
             <a:noAutofit/>
           </a:bodyPr>
           <a:p>
-            <a:endParaRPr b="0" lang="pt-BR" sz="1800" spc="-1" strike="noStrike">
-              <a:solidFill>
-                <a:srgbClr val="000000"/>
-              </a:solidFill>
+            <a:pPr algn="ctr">
+              <a:buNone/>
+            </a:pPr>
+            <a:endParaRPr b="0" lang="pt-BR" sz="4400" spc="-1" strike="noStrike">
               <a:latin typeface="Arial"/>
             </a:endParaRPr>
           </a:p>
@@ -5100,19 +4467,7 @@
             <a:normAutofit/>
           </a:bodyPr>
           <a:p>
-            <a:pPr>
-              <a:lnSpc>
-                <a:spcPct val="90000"/>
-              </a:lnSpc>
-              <a:spcBef>
-                <a:spcPts val="1417"/>
-              </a:spcBef>
-              <a:buNone/>
-            </a:pPr>
-            <a:endParaRPr b="0" lang="pt-BR" sz="2800" spc="-1" strike="noStrike">
-              <a:solidFill>
-                <a:srgbClr val="000000"/>
-              </a:solidFill>
+            <a:endParaRPr b="0" lang="pt-BR" sz="3200" spc="-1" strike="noStrike">
               <a:latin typeface="Arial"/>
             </a:endParaRPr>
           </a:p>
@@ -5168,10 +4523,10 @@
             <a:noAutofit/>
           </a:bodyPr>
           <a:p>
-            <a:endParaRPr b="0" lang="pt-BR" sz="1800" spc="-1" strike="noStrike">
-              <a:solidFill>
-                <a:srgbClr val="000000"/>
-              </a:solidFill>
+            <a:pPr algn="ctr">
+              <a:buNone/>
+            </a:pPr>
+            <a:endParaRPr b="0" lang="pt-BR" sz="4400" spc="-1" strike="noStrike">
               <a:latin typeface="Arial"/>
             </a:endParaRPr>
           </a:p>
@@ -5205,19 +4560,7 @@
             <a:normAutofit/>
           </a:bodyPr>
           <a:p>
-            <a:pPr>
-              <a:lnSpc>
-                <a:spcPct val="90000"/>
-              </a:lnSpc>
-              <a:spcBef>
-                <a:spcPts val="1417"/>
-              </a:spcBef>
-              <a:buNone/>
-            </a:pPr>
-            <a:endParaRPr b="0" lang="pt-BR" sz="2800" spc="-1" strike="noStrike">
-              <a:solidFill>
-                <a:srgbClr val="000000"/>
-              </a:solidFill>
+            <a:endParaRPr b="0" lang="pt-BR" sz="3200" spc="-1" strike="noStrike">
               <a:latin typeface="Arial"/>
             </a:endParaRPr>
           </a:p>
@@ -5251,19 +4594,7 @@
             <a:normAutofit/>
           </a:bodyPr>
           <a:p>
-            <a:pPr>
-              <a:lnSpc>
-                <a:spcPct val="90000"/>
-              </a:lnSpc>
-              <a:spcBef>
-                <a:spcPts val="1417"/>
-              </a:spcBef>
-              <a:buNone/>
-            </a:pPr>
-            <a:endParaRPr b="0" lang="pt-BR" sz="2800" spc="-1" strike="noStrike">
-              <a:solidFill>
-                <a:srgbClr val="000000"/>
-              </a:solidFill>
+            <a:endParaRPr b="0" lang="pt-BR" sz="3200" spc="-1" strike="noStrike">
               <a:latin typeface="Arial"/>
             </a:endParaRPr>
           </a:p>
@@ -5319,10 +4650,10 @@
             <a:noAutofit/>
           </a:bodyPr>
           <a:p>
-            <a:endParaRPr b="0" lang="pt-BR" sz="1800" spc="-1" strike="noStrike">
-              <a:solidFill>
-                <a:srgbClr val="000000"/>
-              </a:solidFill>
+            <a:pPr algn="ctr">
+              <a:buNone/>
+            </a:pPr>
+            <a:endParaRPr b="0" lang="pt-BR" sz="4400" spc="-1" strike="noStrike">
               <a:latin typeface="Arial"/>
             </a:endParaRPr>
           </a:p>
@@ -5437,10 +4768,10 @@
             <a:noAutofit/>
           </a:bodyPr>
           <a:p>
-            <a:endParaRPr b="0" lang="pt-BR" sz="1800" spc="-1" strike="noStrike">
-              <a:solidFill>
-                <a:srgbClr val="000000"/>
-              </a:solidFill>
+            <a:pPr algn="ctr">
+              <a:buNone/>
+            </a:pPr>
+            <a:endParaRPr b="0" lang="pt-BR" sz="4400" spc="-1" strike="noStrike">
               <a:latin typeface="Arial"/>
             </a:endParaRPr>
           </a:p>
@@ -5474,19 +4805,7 @@
             <a:normAutofit/>
           </a:bodyPr>
           <a:p>
-            <a:pPr>
-              <a:lnSpc>
-                <a:spcPct val="90000"/>
-              </a:lnSpc>
-              <a:spcBef>
-                <a:spcPts val="1417"/>
-              </a:spcBef>
-              <a:buNone/>
-            </a:pPr>
-            <a:endParaRPr b="0" lang="pt-BR" sz="2800" spc="-1" strike="noStrike">
-              <a:solidFill>
-                <a:srgbClr val="000000"/>
-              </a:solidFill>
+            <a:endParaRPr b="0" lang="pt-BR" sz="3200" spc="-1" strike="noStrike">
               <a:latin typeface="Arial"/>
             </a:endParaRPr>
           </a:p>
@@ -5520,19 +4839,7 @@
             <a:normAutofit/>
           </a:bodyPr>
           <a:p>
-            <a:pPr>
-              <a:lnSpc>
-                <a:spcPct val="90000"/>
-              </a:lnSpc>
-              <a:spcBef>
-                <a:spcPts val="1417"/>
-              </a:spcBef>
-              <a:buNone/>
-            </a:pPr>
-            <a:endParaRPr b="0" lang="pt-BR" sz="2800" spc="-1" strike="noStrike">
-              <a:solidFill>
-                <a:srgbClr val="000000"/>
-              </a:solidFill>
+            <a:endParaRPr b="0" lang="pt-BR" sz="3200" spc="-1" strike="noStrike">
               <a:latin typeface="Arial"/>
             </a:endParaRPr>
           </a:p>
@@ -5566,19 +4873,7 @@
             <a:normAutofit/>
           </a:bodyPr>
           <a:p>
-            <a:pPr>
-              <a:lnSpc>
-                <a:spcPct val="90000"/>
-              </a:lnSpc>
-              <a:spcBef>
-                <a:spcPts val="1417"/>
-              </a:spcBef>
-              <a:buNone/>
-            </a:pPr>
-            <a:endParaRPr b="0" lang="pt-BR" sz="2800" spc="-1" strike="noStrike">
-              <a:solidFill>
-                <a:srgbClr val="000000"/>
-              </a:solidFill>
+            <a:endParaRPr b="0" lang="pt-BR" sz="3200" spc="-1" strike="noStrike">
               <a:latin typeface="Arial"/>
             </a:endParaRPr>
           </a:p>
@@ -5634,10 +4929,10 @@
             <a:noAutofit/>
           </a:bodyPr>
           <a:p>
-            <a:endParaRPr b="0" lang="pt-BR" sz="1800" spc="-1" strike="noStrike">
-              <a:solidFill>
-                <a:srgbClr val="000000"/>
-              </a:solidFill>
+            <a:pPr algn="ctr">
+              <a:buNone/>
+            </a:pPr>
+            <a:endParaRPr b="0" lang="pt-BR" sz="4400" spc="-1" strike="noStrike">
               <a:latin typeface="Arial"/>
             </a:endParaRPr>
           </a:p>
@@ -5671,19 +4966,7 @@
             <a:normAutofit/>
           </a:bodyPr>
           <a:p>
-            <a:pPr>
-              <a:lnSpc>
-                <a:spcPct val="90000"/>
-              </a:lnSpc>
-              <a:spcBef>
-                <a:spcPts val="1417"/>
-              </a:spcBef>
-              <a:buNone/>
-            </a:pPr>
-            <a:endParaRPr b="0" lang="pt-BR" sz="2800" spc="-1" strike="noStrike">
-              <a:solidFill>
-                <a:srgbClr val="000000"/>
-              </a:solidFill>
+            <a:endParaRPr b="0" lang="pt-BR" sz="3200" spc="-1" strike="noStrike">
               <a:latin typeface="Arial"/>
             </a:endParaRPr>
           </a:p>
@@ -5717,19 +5000,7 @@
             <a:normAutofit/>
           </a:bodyPr>
           <a:p>
-            <a:pPr>
-              <a:lnSpc>
-                <a:spcPct val="90000"/>
-              </a:lnSpc>
-              <a:spcBef>
-                <a:spcPts val="1417"/>
-              </a:spcBef>
-              <a:buNone/>
-            </a:pPr>
-            <a:endParaRPr b="0" lang="pt-BR" sz="2800" spc="-1" strike="noStrike">
-              <a:solidFill>
-                <a:srgbClr val="000000"/>
-              </a:solidFill>
+            <a:endParaRPr b="0" lang="pt-BR" sz="3200" spc="-1" strike="noStrike">
               <a:latin typeface="Arial"/>
             </a:endParaRPr>
           </a:p>
@@ -5763,19 +5034,7 @@
             <a:normAutofit/>
           </a:bodyPr>
           <a:p>
-            <a:pPr>
-              <a:lnSpc>
-                <a:spcPct val="90000"/>
-              </a:lnSpc>
-              <a:spcBef>
-                <a:spcPts val="1417"/>
-              </a:spcBef>
-              <a:buNone/>
-            </a:pPr>
-            <a:endParaRPr b="0" lang="pt-BR" sz="2800" spc="-1" strike="noStrike">
-              <a:solidFill>
-                <a:srgbClr val="000000"/>
-              </a:solidFill>
+            <a:endParaRPr b="0" lang="pt-BR" sz="3200" spc="-1" strike="noStrike">
               <a:latin typeface="Arial"/>
             </a:endParaRPr>
           </a:p>
@@ -5831,10 +5090,10 @@
             <a:noAutofit/>
           </a:bodyPr>
           <a:p>
-            <a:endParaRPr b="0" lang="pt-BR" sz="1800" spc="-1" strike="noStrike">
-              <a:solidFill>
-                <a:srgbClr val="000000"/>
-              </a:solidFill>
+            <a:pPr algn="ctr">
+              <a:buNone/>
+            </a:pPr>
+            <a:endParaRPr b="0" lang="pt-BR" sz="4400" spc="-1" strike="noStrike">
               <a:latin typeface="Arial"/>
             </a:endParaRPr>
           </a:p>
@@ -5868,19 +5127,7 @@
             <a:normAutofit/>
           </a:bodyPr>
           <a:p>
-            <a:pPr>
-              <a:lnSpc>
-                <a:spcPct val="90000"/>
-              </a:lnSpc>
-              <a:spcBef>
-                <a:spcPts val="1417"/>
-              </a:spcBef>
-              <a:buNone/>
-            </a:pPr>
-            <a:endParaRPr b="0" lang="pt-BR" sz="2800" spc="-1" strike="noStrike">
-              <a:solidFill>
-                <a:srgbClr val="000000"/>
-              </a:solidFill>
+            <a:endParaRPr b="0" lang="pt-BR" sz="3200" spc="-1" strike="noStrike">
               <a:latin typeface="Arial"/>
             </a:endParaRPr>
           </a:p>
@@ -5914,19 +5161,7 @@
             <a:normAutofit/>
           </a:bodyPr>
           <a:p>
-            <a:pPr>
-              <a:lnSpc>
-                <a:spcPct val="90000"/>
-              </a:lnSpc>
-              <a:spcBef>
-                <a:spcPts val="1417"/>
-              </a:spcBef>
-              <a:buNone/>
-            </a:pPr>
-            <a:endParaRPr b="0" lang="pt-BR" sz="2800" spc="-1" strike="noStrike">
-              <a:solidFill>
-                <a:srgbClr val="000000"/>
-              </a:solidFill>
+            <a:endParaRPr b="0" lang="pt-BR" sz="3200" spc="-1" strike="noStrike">
               <a:latin typeface="Arial"/>
             </a:endParaRPr>
           </a:p>
@@ -5960,19 +5195,7 @@
             <a:normAutofit/>
           </a:bodyPr>
           <a:p>
-            <a:pPr>
-              <a:lnSpc>
-                <a:spcPct val="90000"/>
-              </a:lnSpc>
-              <a:spcBef>
-                <a:spcPts val="1417"/>
-              </a:spcBef>
-              <a:buNone/>
-            </a:pPr>
-            <a:endParaRPr b="0" lang="pt-BR" sz="2800" spc="-1" strike="noStrike">
-              <a:solidFill>
-                <a:srgbClr val="000000"/>
-              </a:solidFill>
+            <a:endParaRPr b="0" lang="pt-BR" sz="3200" spc="-1" strike="noStrike">
               <a:latin typeface="Arial"/>
             </a:endParaRPr>
           </a:p>
@@ -6016,7 +5239,7 @@
         <p:spPr>
           <a:xfrm>
             <a:off x="0" y="3150000"/>
-            <a:ext cx="9716040" cy="1256040"/>
+            <a:ext cx="9715680" cy="1255680"/>
           </a:xfrm>
           <a:prstGeom prst="rect">
             <a:avLst/>
@@ -6063,19 +5286,16 @@
             <a:noAutofit/>
           </a:bodyPr>
           <a:p>
+            <a:pPr algn="ctr">
+              <a:buNone/>
+            </a:pPr>
             <a:r>
-              <a:rPr b="0" lang="pt-BR" sz="1800" spc="-1" strike="noStrike">
-                <a:solidFill>
-                  <a:srgbClr val="000000"/>
-                </a:solidFill>
+              <a:rPr b="0" lang="pt-BR" sz="4400" spc="-1" strike="noStrike">
                 <a:latin typeface="Arial"/>
               </a:rPr>
               <a:t>Click to edit the title text format</a:t>
             </a:r>
-            <a:endParaRPr b="0" lang="pt-BR" sz="1800" spc="-1" strike="noStrike">
-              <a:solidFill>
-                <a:srgbClr val="000000"/>
-              </a:solidFill>
+            <a:endParaRPr b="0" lang="pt-BR" sz="4400" spc="-1" strike="noStrike">
               <a:latin typeface="Arial"/>
             </a:endParaRPr>
           </a:p>
@@ -6110,9 +5330,6 @@
           </a:bodyPr>
           <a:p>
             <a:pPr marL="432000" indent="-324000">
-              <a:lnSpc>
-                <a:spcPct val="90000"/>
-              </a:lnSpc>
               <a:spcBef>
                 <a:spcPts val="1417"/>
               </a:spcBef>
@@ -6124,26 +5341,17 @@
               <a:buChar char=""/>
             </a:pPr>
             <a:r>
-              <a:rPr b="0" lang="pt-BR" sz="2800" spc="-1" strike="noStrike">
-                <a:solidFill>
-                  <a:srgbClr val="000000"/>
-                </a:solidFill>
+              <a:rPr b="0" lang="pt-BR" sz="3200" spc="-1" strike="noStrike">
                 <a:latin typeface="Arial"/>
               </a:rPr>
               <a:t>Click to edit the outline text format</a:t>
             </a:r>
-            <a:endParaRPr b="0" lang="pt-BR" sz="2800" spc="-1" strike="noStrike">
-              <a:solidFill>
-                <a:srgbClr val="000000"/>
-              </a:solidFill>
+            <a:endParaRPr b="0" lang="pt-BR" sz="3200" spc="-1" strike="noStrike">
               <a:latin typeface="Arial"/>
             </a:endParaRPr>
           </a:p>
           <a:p>
             <a:pPr lvl="1" marL="864000" indent="-324000">
-              <a:lnSpc>
-                <a:spcPct val="90000"/>
-              </a:lnSpc>
               <a:spcBef>
                 <a:spcPts val="1134"/>
               </a:spcBef>
@@ -6155,26 +5363,17 @@
               <a:buChar char=""/>
             </a:pPr>
             <a:r>
-              <a:rPr b="0" lang="pt-BR" sz="2000" spc="-1" strike="noStrike">
-                <a:solidFill>
-                  <a:srgbClr val="000000"/>
-                </a:solidFill>
+              <a:rPr b="0" lang="pt-BR" sz="2800" spc="-1" strike="noStrike">
                 <a:latin typeface="Arial"/>
               </a:rPr>
               <a:t>Second Outline Level</a:t>
             </a:r>
-            <a:endParaRPr b="0" lang="pt-BR" sz="2000" spc="-1" strike="noStrike">
-              <a:solidFill>
-                <a:srgbClr val="000000"/>
-              </a:solidFill>
+            <a:endParaRPr b="0" lang="pt-BR" sz="2800" spc="-1" strike="noStrike">
               <a:latin typeface="Arial"/>
             </a:endParaRPr>
           </a:p>
           <a:p>
             <a:pPr lvl="2" marL="1296000" indent="-288000">
-              <a:lnSpc>
-                <a:spcPct val="90000"/>
-              </a:lnSpc>
               <a:spcBef>
                 <a:spcPts val="850"/>
               </a:spcBef>
@@ -6186,26 +5385,17 @@
               <a:buChar char=""/>
             </a:pPr>
             <a:r>
-              <a:rPr b="0" lang="pt-BR" sz="1800" spc="-1" strike="noStrike">
-                <a:solidFill>
-                  <a:srgbClr val="000000"/>
-                </a:solidFill>
+              <a:rPr b="0" lang="pt-BR" sz="2400" spc="-1" strike="noStrike">
                 <a:latin typeface="Arial"/>
               </a:rPr>
               <a:t>Third Outline Level</a:t>
             </a:r>
-            <a:endParaRPr b="0" lang="pt-BR" sz="1800" spc="-1" strike="noStrike">
-              <a:solidFill>
-                <a:srgbClr val="000000"/>
-              </a:solidFill>
+            <a:endParaRPr b="0" lang="pt-BR" sz="2400" spc="-1" strike="noStrike">
               <a:latin typeface="Arial"/>
             </a:endParaRPr>
           </a:p>
           <a:p>
             <a:pPr lvl="3" marL="1728000" indent="-216000">
-              <a:lnSpc>
-                <a:spcPct val="90000"/>
-              </a:lnSpc>
               <a:spcBef>
                 <a:spcPts val="567"/>
               </a:spcBef>
@@ -6217,26 +5407,17 @@
               <a:buChar char=""/>
             </a:pPr>
             <a:r>
-              <a:rPr b="0" lang="pt-BR" sz="1800" spc="-1" strike="noStrike">
-                <a:solidFill>
-                  <a:srgbClr val="000000"/>
-                </a:solidFill>
+              <a:rPr b="0" lang="pt-BR" sz="2000" spc="-1" strike="noStrike">
                 <a:latin typeface="Arial"/>
               </a:rPr>
               <a:t>Fourth Outline Level</a:t>
             </a:r>
-            <a:endParaRPr b="0" lang="pt-BR" sz="1800" spc="-1" strike="noStrike">
-              <a:solidFill>
-                <a:srgbClr val="000000"/>
-              </a:solidFill>
+            <a:endParaRPr b="0" lang="pt-BR" sz="2000" spc="-1" strike="noStrike">
               <a:latin typeface="Arial"/>
             </a:endParaRPr>
           </a:p>
           <a:p>
             <a:pPr lvl="4" marL="2160000" indent="-216000">
-              <a:lnSpc>
-                <a:spcPct val="90000"/>
-              </a:lnSpc>
               <a:spcBef>
                 <a:spcPts val="283"/>
               </a:spcBef>
@@ -6249,25 +5430,16 @@
             </a:pPr>
             <a:r>
               <a:rPr b="0" lang="pt-BR" sz="2000" spc="-1" strike="noStrike">
-                <a:solidFill>
-                  <a:srgbClr val="000000"/>
-                </a:solidFill>
                 <a:latin typeface="Arial"/>
               </a:rPr>
               <a:t>Fifth Outline Level</a:t>
             </a:r>
             <a:endParaRPr b="0" lang="pt-BR" sz="2000" spc="-1" strike="noStrike">
-              <a:solidFill>
-                <a:srgbClr val="000000"/>
-              </a:solidFill>
               <a:latin typeface="Arial"/>
             </a:endParaRPr>
           </a:p>
           <a:p>
             <a:pPr lvl="5" marL="2592000" indent="-216000">
-              <a:lnSpc>
-                <a:spcPct val="90000"/>
-              </a:lnSpc>
               <a:spcBef>
                 <a:spcPts val="283"/>
               </a:spcBef>
@@ -6280,25 +5452,16 @@
             </a:pPr>
             <a:r>
               <a:rPr b="0" lang="pt-BR" sz="2000" spc="-1" strike="noStrike">
-                <a:solidFill>
-                  <a:srgbClr val="000000"/>
-                </a:solidFill>
                 <a:latin typeface="Arial"/>
               </a:rPr>
               <a:t>Sixth Outline Level</a:t>
             </a:r>
             <a:endParaRPr b="0" lang="pt-BR" sz="2000" spc="-1" strike="noStrike">
-              <a:solidFill>
-                <a:srgbClr val="000000"/>
-              </a:solidFill>
               <a:latin typeface="Arial"/>
             </a:endParaRPr>
           </a:p>
           <a:p>
             <a:pPr lvl="6" marL="3024000" indent="-216000">
-              <a:lnSpc>
-                <a:spcPct val="90000"/>
-              </a:lnSpc>
               <a:spcBef>
                 <a:spcPts val="283"/>
               </a:spcBef>
@@ -6311,17 +5474,11 @@
             </a:pPr>
             <a:r>
               <a:rPr b="0" lang="pt-BR" sz="2000" spc="-1" strike="noStrike">
-                <a:solidFill>
-                  <a:srgbClr val="000000"/>
-                </a:solidFill>
                 <a:latin typeface="Arial"/>
               </a:rPr>
               <a:t>Seventh Outline Level</a:t>
             </a:r>
             <a:endParaRPr b="0" lang="pt-BR" sz="2000" spc="-1" strike="noStrike">
-              <a:solidFill>
-                <a:srgbClr val="000000"/>
-              </a:solidFill>
               <a:latin typeface="Arial"/>
             </a:endParaRPr>
           </a:p>
@@ -6380,7 +5537,7 @@
         <p:spPr>
           <a:xfrm>
             <a:off x="0" y="180000"/>
-            <a:ext cx="9716040" cy="1256040"/>
+            <a:ext cx="9715680" cy="1255680"/>
           </a:xfrm>
           <a:prstGeom prst="rect">
             <a:avLst/>
@@ -6408,7 +5565,7 @@
         <p:spPr>
           <a:xfrm>
             <a:off x="7560000" y="6840000"/>
-            <a:ext cx="2516040" cy="536040"/>
+            <a:ext cx="2515680" cy="535680"/>
           </a:xfrm>
           <a:prstGeom prst="rect">
             <a:avLst/>
@@ -6436,7 +5593,7 @@
         <p:spPr>
           <a:xfrm>
             <a:off x="900000" y="6840000"/>
-            <a:ext cx="6476040" cy="536040"/>
+            <a:ext cx="6475680" cy="535680"/>
           </a:xfrm>
           <a:prstGeom prst="rect">
             <a:avLst/>
@@ -6464,7 +5621,7 @@
         <p:spPr>
           <a:xfrm>
             <a:off x="180000" y="6840000"/>
-            <a:ext cx="536040" cy="536040"/>
+            <a:ext cx="535680" cy="535680"/>
           </a:xfrm>
           <a:prstGeom prst="rect">
             <a:avLst/>
@@ -6509,325 +5666,16 @@
             <a:noAutofit/>
           </a:bodyPr>
           <a:p>
+            <a:pPr algn="ctr">
+              <a:buNone/>
+            </a:pPr>
             <a:r>
-              <a:rPr b="0" lang="pt-BR" sz="1800" spc="-1" strike="noStrike">
-                <a:solidFill>
-                  <a:srgbClr val="000000"/>
-                </a:solidFill>
+              <a:rPr b="0" lang="pt-BR" sz="4400" spc="-1" strike="noStrike">
                 <a:latin typeface="Arial"/>
               </a:rPr>
-              <a:t>C</a:t>
+              <a:t>Click to edit the title text format</a:t>
             </a:r>
-            <a:r>
-              <a:rPr b="0" lang="pt-BR" sz="1800" spc="-1" strike="noStrike">
-                <a:solidFill>
-                  <a:srgbClr val="000000"/>
-                </a:solidFill>
-                <a:latin typeface="Arial"/>
-              </a:rPr>
-              <a:t>l</a:t>
-            </a:r>
-            <a:r>
-              <a:rPr b="0" lang="pt-BR" sz="1800" spc="-1" strike="noStrike">
-                <a:solidFill>
-                  <a:srgbClr val="000000"/>
-                </a:solidFill>
-                <a:latin typeface="Arial"/>
-              </a:rPr>
-              <a:t>i</a:t>
-            </a:r>
-            <a:r>
-              <a:rPr b="0" lang="pt-BR" sz="1800" spc="-1" strike="noStrike">
-                <a:solidFill>
-                  <a:srgbClr val="000000"/>
-                </a:solidFill>
-                <a:latin typeface="Arial"/>
-              </a:rPr>
-              <a:t>c</a:t>
-            </a:r>
-            <a:r>
-              <a:rPr b="0" lang="pt-BR" sz="1800" spc="-1" strike="noStrike">
-                <a:solidFill>
-                  <a:srgbClr val="000000"/>
-                </a:solidFill>
-                <a:latin typeface="Arial"/>
-              </a:rPr>
-              <a:t>k</a:t>
-            </a:r>
-            <a:r>
-              <a:rPr b="0" lang="pt-BR" sz="1800" spc="-1" strike="noStrike">
-                <a:solidFill>
-                  <a:srgbClr val="000000"/>
-                </a:solidFill>
-                <a:latin typeface="Arial"/>
-              </a:rPr>
-              <a:t> </a:t>
-            </a:r>
-            <a:r>
-              <a:rPr b="0" lang="pt-BR" sz="1800" spc="-1" strike="noStrike">
-                <a:solidFill>
-                  <a:srgbClr val="000000"/>
-                </a:solidFill>
-                <a:latin typeface="Arial"/>
-              </a:rPr>
-              <a:t>t</a:t>
-            </a:r>
-            <a:r>
-              <a:rPr b="0" lang="pt-BR" sz="1800" spc="-1" strike="noStrike">
-                <a:solidFill>
-                  <a:srgbClr val="000000"/>
-                </a:solidFill>
-                <a:latin typeface="Arial"/>
-              </a:rPr>
-              <a:t>o</a:t>
-            </a:r>
-            <a:r>
-              <a:rPr b="0" lang="pt-BR" sz="1800" spc="-1" strike="noStrike">
-                <a:solidFill>
-                  <a:srgbClr val="000000"/>
-                </a:solidFill>
-                <a:latin typeface="Arial"/>
-              </a:rPr>
-              <a:t> </a:t>
-            </a:r>
-            <a:r>
-              <a:rPr b="0" lang="pt-BR" sz="1800" spc="-1" strike="noStrike">
-                <a:solidFill>
-                  <a:srgbClr val="000000"/>
-                </a:solidFill>
-                <a:latin typeface="Arial"/>
-              </a:rPr>
-              <a:t>e</a:t>
-            </a:r>
-            <a:r>
-              <a:rPr b="0" lang="pt-BR" sz="1800" spc="-1" strike="noStrike">
-                <a:solidFill>
-                  <a:srgbClr val="000000"/>
-                </a:solidFill>
-                <a:latin typeface="Arial"/>
-              </a:rPr>
-              <a:t>d</a:t>
-            </a:r>
-            <a:r>
-              <a:rPr b="0" lang="pt-BR" sz="1800" spc="-1" strike="noStrike">
-                <a:solidFill>
-                  <a:srgbClr val="000000"/>
-                </a:solidFill>
-                <a:latin typeface="Arial"/>
-              </a:rPr>
-              <a:t>i</a:t>
-            </a:r>
-            <a:r>
-              <a:rPr b="0" lang="pt-BR" sz="1800" spc="-1" strike="noStrike">
-                <a:solidFill>
-                  <a:srgbClr val="000000"/>
-                </a:solidFill>
-                <a:latin typeface="Arial"/>
-              </a:rPr>
-              <a:t>t</a:t>
-            </a:r>
-            <a:r>
-              <a:rPr b="0" lang="pt-BR" sz="1800" spc="-1" strike="noStrike">
-                <a:solidFill>
-                  <a:srgbClr val="000000"/>
-                </a:solidFill>
-                <a:latin typeface="Arial"/>
-              </a:rPr>
-              <a:t> </a:t>
-            </a:r>
-            <a:r>
-              <a:rPr b="0" lang="pt-BR" sz="1800" spc="-1" strike="noStrike">
-                <a:solidFill>
-                  <a:srgbClr val="000000"/>
-                </a:solidFill>
-                <a:latin typeface="Arial"/>
-              </a:rPr>
-              <a:t>t</a:t>
-            </a:r>
-            <a:r>
-              <a:rPr b="0" lang="pt-BR" sz="1800" spc="-1" strike="noStrike">
-                <a:solidFill>
-                  <a:srgbClr val="000000"/>
-                </a:solidFill>
-                <a:latin typeface="Arial"/>
-              </a:rPr>
-              <a:t>h</a:t>
-            </a:r>
-            <a:r>
-              <a:rPr b="0" lang="pt-BR" sz="1800" spc="-1" strike="noStrike">
-                <a:solidFill>
-                  <a:srgbClr val="000000"/>
-                </a:solidFill>
-                <a:latin typeface="Arial"/>
-              </a:rPr>
-              <a:t>e</a:t>
-            </a:r>
-            <a:r>
-              <a:rPr b="0" lang="pt-BR" sz="1800" spc="-1" strike="noStrike">
-                <a:solidFill>
-                  <a:srgbClr val="000000"/>
-                </a:solidFill>
-                <a:latin typeface="Arial"/>
-              </a:rPr>
-              <a:t> </a:t>
-            </a:r>
-            <a:r>
-              <a:rPr b="0" lang="pt-BR" sz="1800" spc="-1" strike="noStrike">
-                <a:solidFill>
-                  <a:srgbClr val="000000"/>
-                </a:solidFill>
-                <a:latin typeface="Arial"/>
-              </a:rPr>
-              <a:t>t</a:t>
-            </a:r>
-            <a:r>
-              <a:rPr b="0" lang="pt-BR" sz="1800" spc="-1" strike="noStrike">
-                <a:solidFill>
-                  <a:srgbClr val="000000"/>
-                </a:solidFill>
-                <a:latin typeface="Arial"/>
-              </a:rPr>
-              <a:t>i</a:t>
-            </a:r>
-            <a:r>
-              <a:rPr b="0" lang="pt-BR" sz="1800" spc="-1" strike="noStrike">
-                <a:solidFill>
-                  <a:srgbClr val="000000"/>
-                </a:solidFill>
-                <a:latin typeface="Arial"/>
-              </a:rPr>
-              <a:t>t</a:t>
-            </a:r>
-            <a:r>
-              <a:rPr b="0" lang="pt-BR" sz="1800" spc="-1" strike="noStrike">
-                <a:solidFill>
-                  <a:srgbClr val="000000"/>
-                </a:solidFill>
-                <a:latin typeface="Arial"/>
-              </a:rPr>
-              <a:t>l</a:t>
-            </a:r>
-            <a:r>
-              <a:rPr b="0" lang="pt-BR" sz="1800" spc="-1" strike="noStrike">
-                <a:solidFill>
-                  <a:srgbClr val="000000"/>
-                </a:solidFill>
-                <a:latin typeface="Arial"/>
-              </a:rPr>
-              <a:t>e</a:t>
-            </a:r>
-            <a:r>
-              <a:rPr b="0" lang="pt-BR" sz="1800" spc="-1" strike="noStrike">
-                <a:solidFill>
-                  <a:srgbClr val="000000"/>
-                </a:solidFill>
-                <a:latin typeface="Arial"/>
-              </a:rPr>
-              <a:t> </a:t>
-            </a:r>
-            <a:r>
-              <a:rPr b="0" lang="pt-BR" sz="1800" spc="-1" strike="noStrike">
-                <a:solidFill>
-                  <a:srgbClr val="000000"/>
-                </a:solidFill>
-                <a:latin typeface="Arial"/>
-              </a:rPr>
-              <a:t>t</a:t>
-            </a:r>
-            <a:r>
-              <a:rPr b="0" lang="pt-BR" sz="1800" spc="-1" strike="noStrike">
-                <a:solidFill>
-                  <a:srgbClr val="000000"/>
-                </a:solidFill>
-                <a:latin typeface="Arial"/>
-              </a:rPr>
-              <a:t>e</a:t>
-            </a:r>
-            <a:r>
-              <a:rPr b="0" lang="pt-BR" sz="1800" spc="-1" strike="noStrike">
-                <a:solidFill>
-                  <a:srgbClr val="000000"/>
-                </a:solidFill>
-                <a:latin typeface="Arial"/>
-              </a:rPr>
-              <a:t>x</a:t>
-            </a:r>
-            <a:r>
-              <a:rPr b="0" lang="pt-BR" sz="1800" spc="-1" strike="noStrike">
-                <a:solidFill>
-                  <a:srgbClr val="000000"/>
-                </a:solidFill>
-                <a:latin typeface="Arial"/>
-              </a:rPr>
-              <a:t>t</a:t>
-            </a:r>
-            <a:r>
-              <a:rPr b="0" lang="pt-BR" sz="1800" spc="-1" strike="noStrike">
-                <a:solidFill>
-                  <a:srgbClr val="000000"/>
-                </a:solidFill>
-                <a:latin typeface="Arial"/>
-              </a:rPr>
-              <a:t> </a:t>
-            </a:r>
-            <a:r>
-              <a:rPr b="0" lang="pt-BR" sz="1800" spc="-1" strike="noStrike">
-                <a:solidFill>
-                  <a:srgbClr val="000000"/>
-                </a:solidFill>
-                <a:latin typeface="Arial"/>
-              </a:rPr>
-              <a:t>f</a:t>
-            </a:r>
-            <a:r>
-              <a:rPr b="0" lang="pt-BR" sz="1800" spc="-1" strike="noStrike">
-                <a:solidFill>
-                  <a:srgbClr val="000000"/>
-                </a:solidFill>
-                <a:latin typeface="Arial"/>
-              </a:rPr>
-              <a:t>o</a:t>
-            </a:r>
-            <a:r>
-              <a:rPr b="0" lang="pt-BR" sz="1800" spc="-1" strike="noStrike">
-                <a:solidFill>
-                  <a:srgbClr val="000000"/>
-                </a:solidFill>
-                <a:latin typeface="Arial"/>
-              </a:rPr>
-              <a:t>r</a:t>
-            </a:r>
-            <a:r>
-              <a:rPr b="0" lang="pt-BR" sz="1800" spc="-1" strike="noStrike">
-                <a:solidFill>
-                  <a:srgbClr val="000000"/>
-                </a:solidFill>
-                <a:latin typeface="Arial"/>
-              </a:rPr>
-              <a:t>m</a:t>
-            </a:r>
-            <a:r>
-              <a:rPr b="0" lang="pt-BR" sz="1800" spc="-1" strike="noStrike">
-                <a:solidFill>
-                  <a:srgbClr val="000000"/>
-                </a:solidFill>
-                <a:latin typeface="Arial"/>
-              </a:rPr>
-              <a:t>a</a:t>
-            </a:r>
-            <a:r>
-              <a:rPr b="0" lang="pt-BR" sz="1800" spc="-1" strike="noStrike">
-                <a:solidFill>
-                  <a:srgbClr val="000000"/>
-                </a:solidFill>
-                <a:latin typeface="Arial"/>
-              </a:rPr>
-              <a:t>t</a:t>
-            </a:r>
-            <a:endParaRPr b="0" lang="pt-BR" sz="1800" spc="-1" strike="noStrike">
-              <a:solidFill>
-                <a:srgbClr val="000000"/>
-              </a:solidFill>
+            <a:endParaRPr b="0" lang="pt-BR" sz="4400" spc="-1" strike="noStrike">
               <a:latin typeface="Arial"/>
             </a:endParaRPr>
           </a:p>
@@ -6862,9 +5710,6 @@
           </a:bodyPr>
           <a:p>
             <a:pPr marL="432000" indent="-324000">
-              <a:lnSpc>
-                <a:spcPct val="90000"/>
-              </a:lnSpc>
               <a:spcBef>
                 <a:spcPts val="1417"/>
               </a:spcBef>
@@ -6876,26 +5721,17 @@
               <a:buChar char=""/>
             </a:pPr>
             <a:r>
-              <a:rPr b="0" lang="pt-BR" sz="2800" spc="-1" strike="noStrike">
-                <a:solidFill>
-                  <a:srgbClr val="000000"/>
-                </a:solidFill>
+              <a:rPr b="0" lang="pt-BR" sz="3200" spc="-1" strike="noStrike">
                 <a:latin typeface="Arial"/>
               </a:rPr>
               <a:t>Click to edit the outline text format</a:t>
             </a:r>
-            <a:endParaRPr b="0" lang="pt-BR" sz="2800" spc="-1" strike="noStrike">
-              <a:solidFill>
-                <a:srgbClr val="000000"/>
-              </a:solidFill>
+            <a:endParaRPr b="0" lang="pt-BR" sz="3200" spc="-1" strike="noStrike">
               <a:latin typeface="Arial"/>
             </a:endParaRPr>
           </a:p>
           <a:p>
             <a:pPr lvl="1" marL="864000" indent="-324000">
-              <a:lnSpc>
-                <a:spcPct val="90000"/>
-              </a:lnSpc>
               <a:spcBef>
                 <a:spcPts val="1134"/>
               </a:spcBef>
@@ -6907,26 +5743,17 @@
               <a:buChar char=""/>
             </a:pPr>
             <a:r>
-              <a:rPr b="0" lang="pt-BR" sz="2000" spc="-1" strike="noStrike">
-                <a:solidFill>
-                  <a:srgbClr val="000000"/>
-                </a:solidFill>
+              <a:rPr b="0" lang="pt-BR" sz="2800" spc="-1" strike="noStrike">
                 <a:latin typeface="Arial"/>
               </a:rPr>
               <a:t>Second Outline Level</a:t>
             </a:r>
-            <a:endParaRPr b="0" lang="pt-BR" sz="2000" spc="-1" strike="noStrike">
-              <a:solidFill>
-                <a:srgbClr val="000000"/>
-              </a:solidFill>
+            <a:endParaRPr b="0" lang="pt-BR" sz="2800" spc="-1" strike="noStrike">
               <a:latin typeface="Arial"/>
             </a:endParaRPr>
           </a:p>
           <a:p>
             <a:pPr lvl="2" marL="1296000" indent="-288000">
-              <a:lnSpc>
-                <a:spcPct val="90000"/>
-              </a:lnSpc>
               <a:spcBef>
                 <a:spcPts val="850"/>
               </a:spcBef>
@@ -6938,26 +5765,17 @@
               <a:buChar char=""/>
             </a:pPr>
             <a:r>
-              <a:rPr b="0" lang="pt-BR" sz="1800" spc="-1" strike="noStrike">
-                <a:solidFill>
-                  <a:srgbClr val="000000"/>
-                </a:solidFill>
+              <a:rPr b="0" lang="pt-BR" sz="2400" spc="-1" strike="noStrike">
                 <a:latin typeface="Arial"/>
               </a:rPr>
               <a:t>Third Outline Level</a:t>
             </a:r>
-            <a:endParaRPr b="0" lang="pt-BR" sz="1800" spc="-1" strike="noStrike">
-              <a:solidFill>
-                <a:srgbClr val="000000"/>
-              </a:solidFill>
+            <a:endParaRPr b="0" lang="pt-BR" sz="2400" spc="-1" strike="noStrike">
               <a:latin typeface="Arial"/>
             </a:endParaRPr>
           </a:p>
           <a:p>
             <a:pPr lvl="3" marL="1728000" indent="-216000">
-              <a:lnSpc>
-                <a:spcPct val="90000"/>
-              </a:lnSpc>
               <a:spcBef>
                 <a:spcPts val="567"/>
               </a:spcBef>
@@ -6969,26 +5787,17 @@
               <a:buChar char=""/>
             </a:pPr>
             <a:r>
-              <a:rPr b="0" lang="pt-BR" sz="1800" spc="-1" strike="noStrike">
-                <a:solidFill>
-                  <a:srgbClr val="000000"/>
-                </a:solidFill>
+              <a:rPr b="0" lang="pt-BR" sz="2000" spc="-1" strike="noStrike">
                 <a:latin typeface="Arial"/>
               </a:rPr>
               <a:t>Fourth Outline Level</a:t>
             </a:r>
-            <a:endParaRPr b="0" lang="pt-BR" sz="1800" spc="-1" strike="noStrike">
-              <a:solidFill>
-                <a:srgbClr val="000000"/>
-              </a:solidFill>
+            <a:endParaRPr b="0" lang="pt-BR" sz="2000" spc="-1" strike="noStrike">
               <a:latin typeface="Arial"/>
             </a:endParaRPr>
           </a:p>
           <a:p>
             <a:pPr lvl="4" marL="2160000" indent="-216000">
-              <a:lnSpc>
-                <a:spcPct val="90000"/>
-              </a:lnSpc>
               <a:spcBef>
                 <a:spcPts val="283"/>
               </a:spcBef>
@@ -7001,25 +5810,16 @@
             </a:pPr>
             <a:r>
               <a:rPr b="0" lang="pt-BR" sz="2000" spc="-1" strike="noStrike">
-                <a:solidFill>
-                  <a:srgbClr val="000000"/>
-                </a:solidFill>
                 <a:latin typeface="Arial"/>
               </a:rPr>
               <a:t>Fifth Outline Level</a:t>
             </a:r>
             <a:endParaRPr b="0" lang="pt-BR" sz="2000" spc="-1" strike="noStrike">
-              <a:solidFill>
-                <a:srgbClr val="000000"/>
-              </a:solidFill>
               <a:latin typeface="Arial"/>
             </a:endParaRPr>
           </a:p>
           <a:p>
             <a:pPr lvl="5" marL="2592000" indent="-216000">
-              <a:lnSpc>
-                <a:spcPct val="90000"/>
-              </a:lnSpc>
               <a:spcBef>
                 <a:spcPts val="283"/>
               </a:spcBef>
@@ -7032,25 +5832,16 @@
             </a:pPr>
             <a:r>
               <a:rPr b="0" lang="pt-BR" sz="2000" spc="-1" strike="noStrike">
-                <a:solidFill>
-                  <a:srgbClr val="000000"/>
-                </a:solidFill>
                 <a:latin typeface="Arial"/>
               </a:rPr>
               <a:t>Sixth Outline Level</a:t>
             </a:r>
             <a:endParaRPr b="0" lang="pt-BR" sz="2000" spc="-1" strike="noStrike">
-              <a:solidFill>
-                <a:srgbClr val="000000"/>
-              </a:solidFill>
               <a:latin typeface="Arial"/>
             </a:endParaRPr>
           </a:p>
           <a:p>
             <a:pPr lvl="6" marL="3024000" indent="-216000">
-              <a:lnSpc>
-                <a:spcPct val="90000"/>
-              </a:lnSpc>
               <a:spcBef>
                 <a:spcPts val="283"/>
               </a:spcBef>
@@ -7063,17 +5854,11 @@
             </a:pPr>
             <a:r>
               <a:rPr b="0" lang="pt-BR" sz="2000" spc="-1" strike="noStrike">
-                <a:solidFill>
-                  <a:srgbClr val="000000"/>
-                </a:solidFill>
                 <a:latin typeface="Arial"/>
               </a:rPr>
               <a:t>Seventh Outline Level</a:t>
             </a:r>
             <a:endParaRPr b="0" lang="pt-BR" sz="2000" spc="-1" strike="noStrike">
-              <a:solidFill>
-                <a:srgbClr val="000000"/>
-              </a:solidFill>
               <a:latin typeface="Arial"/>
             </a:endParaRPr>
           </a:p>
@@ -7125,7 +5910,7 @@
         <p:spPr>
           <a:xfrm>
             <a:off x="360000" y="3330000"/>
-            <a:ext cx="9356040" cy="896040"/>
+            <a:ext cx="9355680" cy="895680"/>
           </a:xfrm>
           <a:prstGeom prst="rect">
             <a:avLst/>
@@ -7177,7 +5962,7 @@
         <p:spPr>
           <a:xfrm>
             <a:off x="540000" y="4680000"/>
-            <a:ext cx="9176040" cy="2516040"/>
+            <a:ext cx="9175680" cy="2515680"/>
           </a:xfrm>
           <a:prstGeom prst="rect">
             <a:avLst/>
@@ -7382,7 +6167,7 @@
         <p:spPr>
           <a:xfrm>
             <a:off x="360000" y="360000"/>
-            <a:ext cx="9356040" cy="896040"/>
+            <a:ext cx="9355680" cy="895680"/>
           </a:xfrm>
           <a:prstGeom prst="rect">
             <a:avLst/>
@@ -7434,7 +6219,7 @@
         <p:spPr>
           <a:xfrm>
             <a:off x="897120" y="6886080"/>
-            <a:ext cx="6443280" cy="361080"/>
+            <a:ext cx="6442920" cy="360720"/>
           </a:xfrm>
           <a:prstGeom prst="rect">
             <a:avLst/>
@@ -7486,7 +6271,7 @@
         <p:spPr>
           <a:xfrm>
             <a:off x="7608600" y="6886080"/>
-            <a:ext cx="2281320" cy="361080"/>
+            <a:ext cx="2280960" cy="360720"/>
           </a:xfrm>
           <a:prstGeom prst="rect">
             <a:avLst/>
@@ -7559,7 +6344,7 @@
         <p:spPr>
           <a:xfrm>
             <a:off x="360000" y="1827720"/>
-            <a:ext cx="9176040" cy="4676040"/>
+            <a:ext cx="9175680" cy="4675680"/>
           </a:xfrm>
           <a:prstGeom prst="rect">
             <a:avLst/>
@@ -7594,7 +6379,7 @@
             </a:endParaRPr>
           </a:p>
           <a:p>
-            <a:pPr>
+            <a:pPr marL="3600">
               <a:lnSpc>
                 <a:spcPct val="100000"/>
               </a:lnSpc>
@@ -7608,7 +6393,7 @@
             </a:endParaRPr>
           </a:p>
           <a:p>
-            <a:pPr>
+            <a:pPr marL="3600">
               <a:lnSpc>
                 <a:spcPct val="100000"/>
               </a:lnSpc>
@@ -7622,7 +6407,7 @@
             </a:endParaRPr>
           </a:p>
           <a:p>
-            <a:pPr>
+            <a:pPr marL="3600">
               <a:lnSpc>
                 <a:spcPct val="100000"/>
               </a:lnSpc>
@@ -7636,7 +6421,7 @@
             </a:endParaRPr>
           </a:p>
           <a:p>
-            <a:pPr>
+            <a:pPr marL="3600">
               <a:lnSpc>
                 <a:spcPct val="100000"/>
               </a:lnSpc>
@@ -7664,7 +6449,7 @@
         <p:spPr>
           <a:xfrm>
             <a:off x="3561840" y="4145400"/>
-            <a:ext cx="3603600" cy="2702880"/>
+            <a:ext cx="3603240" cy="2702520"/>
           </a:xfrm>
           <a:prstGeom prst="rect">
             <a:avLst/>
@@ -7687,7 +6472,7 @@
         <p:spPr>
           <a:xfrm>
             <a:off x="2125440" y="2140200"/>
-            <a:ext cx="6476400" cy="2250720"/>
+            <a:ext cx="6476040" cy="2250360"/>
           </a:xfrm>
           <a:prstGeom prst="rect">
             <a:avLst/>
@@ -7706,7 +6491,7 @@
         <p:spPr>
           <a:xfrm>
             <a:off x="360000" y="1636560"/>
-            <a:ext cx="4795920" cy="2379600"/>
+            <a:ext cx="4795560" cy="2379240"/>
           </a:xfrm>
           <a:prstGeom prst="rect">
             <a:avLst/>
@@ -7918,7 +6703,7 @@
         <p:spPr>
           <a:xfrm>
             <a:off x="360000" y="360000"/>
-            <a:ext cx="9356040" cy="896040"/>
+            <a:ext cx="9355680" cy="895680"/>
           </a:xfrm>
           <a:prstGeom prst="rect">
             <a:avLst/>
@@ -7970,7 +6755,7 @@
         <p:spPr>
           <a:xfrm>
             <a:off x="897120" y="6886080"/>
-            <a:ext cx="6443280" cy="361080"/>
+            <a:ext cx="6442920" cy="360720"/>
           </a:xfrm>
           <a:prstGeom prst="rect">
             <a:avLst/>
@@ -8022,7 +6807,7 @@
         <p:spPr>
           <a:xfrm>
             <a:off x="7608600" y="6886080"/>
-            <a:ext cx="2281320" cy="361080"/>
+            <a:ext cx="2280960" cy="360720"/>
           </a:xfrm>
           <a:prstGeom prst="rect">
             <a:avLst/>
@@ -8095,7 +6880,7 @@
         <p:spPr>
           <a:xfrm>
             <a:off x="360000" y="1827720"/>
-            <a:ext cx="9176040" cy="4676040"/>
+            <a:ext cx="9175680" cy="4675680"/>
           </a:xfrm>
           <a:prstGeom prst="rect">
             <a:avLst/>
@@ -8130,7 +6915,7 @@
             </a:endParaRPr>
           </a:p>
           <a:p>
-            <a:pPr>
+            <a:pPr marL="3600">
               <a:lnSpc>
                 <a:spcPct val="100000"/>
               </a:lnSpc>
@@ -8144,7 +6929,7 @@
             </a:endParaRPr>
           </a:p>
           <a:p>
-            <a:pPr>
+            <a:pPr marL="3600">
               <a:lnSpc>
                 <a:spcPct val="100000"/>
               </a:lnSpc>
@@ -8158,7 +6943,7 @@
             </a:endParaRPr>
           </a:p>
           <a:p>
-            <a:pPr>
+            <a:pPr marL="3600">
               <a:lnSpc>
                 <a:spcPct val="100000"/>
               </a:lnSpc>
@@ -8172,7 +6957,7 @@
             </a:endParaRPr>
           </a:p>
           <a:p>
-            <a:pPr>
+            <a:pPr marL="3600">
               <a:lnSpc>
                 <a:spcPct val="100000"/>
               </a:lnSpc>
@@ -8200,7 +6985,7 @@
         <p:spPr>
           <a:xfrm>
             <a:off x="3561840" y="4145400"/>
-            <a:ext cx="3603600" cy="2702880"/>
+            <a:ext cx="3603240" cy="2702520"/>
           </a:xfrm>
           <a:prstGeom prst="rect">
             <a:avLst/>
@@ -8223,7 +7008,7 @@
         <p:spPr>
           <a:xfrm>
             <a:off x="2125440" y="2140200"/>
-            <a:ext cx="6476400" cy="2250720"/>
+            <a:ext cx="6476040" cy="2250360"/>
           </a:xfrm>
           <a:prstGeom prst="rect">
             <a:avLst/>
@@ -8242,7 +7027,7 @@
         <p:spPr>
           <a:xfrm>
             <a:off x="360000" y="1636560"/>
-            <a:ext cx="4795920" cy="2379600"/>
+            <a:ext cx="4795560" cy="2379240"/>
           </a:xfrm>
           <a:prstGeom prst="rect">
             <a:avLst/>
@@ -8454,7 +7239,7 @@
         <p:spPr>
           <a:xfrm>
             <a:off x="360000" y="360000"/>
-            <a:ext cx="9356040" cy="896040"/>
+            <a:ext cx="9355680" cy="895680"/>
           </a:xfrm>
           <a:prstGeom prst="rect">
             <a:avLst/>
@@ -8506,7 +7291,7 @@
         <p:spPr>
           <a:xfrm>
             <a:off x="897120" y="6886080"/>
-            <a:ext cx="6443280" cy="361080"/>
+            <a:ext cx="6442920" cy="360720"/>
           </a:xfrm>
           <a:prstGeom prst="rect">
             <a:avLst/>
@@ -8558,7 +7343,7 @@
         <p:spPr>
           <a:xfrm>
             <a:off x="7608600" y="6886080"/>
-            <a:ext cx="2281320" cy="361080"/>
+            <a:ext cx="2280960" cy="360720"/>
           </a:xfrm>
           <a:prstGeom prst="rect">
             <a:avLst/>
@@ -8631,7 +7416,7 @@
         <p:spPr>
           <a:xfrm>
             <a:off x="360000" y="1827720"/>
-            <a:ext cx="9176040" cy="4676040"/>
+            <a:ext cx="9175680" cy="4675680"/>
           </a:xfrm>
           <a:prstGeom prst="rect">
             <a:avLst/>
@@ -8666,7 +7451,7 @@
             </a:endParaRPr>
           </a:p>
           <a:p>
-            <a:pPr>
+            <a:pPr marL="3600">
               <a:lnSpc>
                 <a:spcPct val="100000"/>
               </a:lnSpc>
@@ -8680,7 +7465,7 @@
             </a:endParaRPr>
           </a:p>
           <a:p>
-            <a:pPr>
+            <a:pPr marL="3600">
               <a:lnSpc>
                 <a:spcPct val="100000"/>
               </a:lnSpc>
@@ -8694,7 +7479,7 @@
             </a:endParaRPr>
           </a:p>
           <a:p>
-            <a:pPr>
+            <a:pPr marL="3600">
               <a:lnSpc>
                 <a:spcPct val="100000"/>
               </a:lnSpc>
@@ -8708,7 +7493,7 @@
             </a:endParaRPr>
           </a:p>
           <a:p>
-            <a:pPr>
+            <a:pPr marL="3600">
               <a:lnSpc>
                 <a:spcPct val="100000"/>
               </a:lnSpc>
@@ -8736,7 +7521,7 @@
         <p:spPr>
           <a:xfrm>
             <a:off x="544320" y="3124080"/>
-            <a:ext cx="5467680" cy="3162960"/>
+            <a:ext cx="5467320" cy="3162600"/>
           </a:xfrm>
           <a:prstGeom prst="rect">
             <a:avLst/>
@@ -8759,7 +7544,7 @@
         <p:spPr>
           <a:xfrm>
             <a:off x="6012000" y="2653200"/>
-            <a:ext cx="3524040" cy="3524040"/>
+            <a:ext cx="3523680" cy="3523680"/>
           </a:xfrm>
           <a:prstGeom prst="rect">
             <a:avLst/>
@@ -8778,7 +7563,7 @@
         <p:spPr>
           <a:xfrm>
             <a:off x="360000" y="1636560"/>
-            <a:ext cx="4795920" cy="2379600"/>
+            <a:ext cx="4795560" cy="2379240"/>
           </a:xfrm>
           <a:prstGeom prst="rect">
             <a:avLst/>
@@ -8990,7 +7775,7 @@
         <p:spPr>
           <a:xfrm>
             <a:off x="360000" y="360000"/>
-            <a:ext cx="9356040" cy="896040"/>
+            <a:ext cx="9355680" cy="895680"/>
           </a:xfrm>
           <a:prstGeom prst="rect">
             <a:avLst/>
@@ -9042,7 +7827,7 @@
         <p:spPr>
           <a:xfrm>
             <a:off x="897120" y="6886080"/>
-            <a:ext cx="6443280" cy="361080"/>
+            <a:ext cx="6442920" cy="360720"/>
           </a:xfrm>
           <a:prstGeom prst="rect">
             <a:avLst/>
@@ -9094,7 +7879,7 @@
         <p:spPr>
           <a:xfrm>
             <a:off x="7608600" y="6886080"/>
-            <a:ext cx="2281320" cy="361080"/>
+            <a:ext cx="2280960" cy="360720"/>
           </a:xfrm>
           <a:prstGeom prst="rect">
             <a:avLst/>
@@ -9167,7 +7952,7 @@
         <p:spPr>
           <a:xfrm>
             <a:off x="360000" y="1827720"/>
-            <a:ext cx="9176040" cy="4676040"/>
+            <a:ext cx="9175680" cy="4675680"/>
           </a:xfrm>
           <a:prstGeom prst="rect">
             <a:avLst/>
@@ -9202,7 +7987,7 @@
             </a:endParaRPr>
           </a:p>
           <a:p>
-            <a:pPr>
+            <a:pPr marL="3600">
               <a:lnSpc>
                 <a:spcPct val="100000"/>
               </a:lnSpc>
@@ -9216,7 +8001,7 @@
             </a:endParaRPr>
           </a:p>
           <a:p>
-            <a:pPr>
+            <a:pPr marL="3600">
               <a:lnSpc>
                 <a:spcPct val="100000"/>
               </a:lnSpc>
@@ -9230,7 +8015,7 @@
             </a:endParaRPr>
           </a:p>
           <a:p>
-            <a:pPr>
+            <a:pPr marL="3600">
               <a:lnSpc>
                 <a:spcPct val="100000"/>
               </a:lnSpc>
@@ -9244,7 +8029,7 @@
             </a:endParaRPr>
           </a:p>
           <a:p>
-            <a:pPr>
+            <a:pPr marL="3600">
               <a:lnSpc>
                 <a:spcPct val="100000"/>
               </a:lnSpc>
@@ -9268,7 +8053,7 @@
         <p:spPr>
           <a:xfrm>
             <a:off x="360000" y="1636560"/>
-            <a:ext cx="7081920" cy="2379600"/>
+            <a:ext cx="7081560" cy="2379240"/>
           </a:xfrm>
           <a:prstGeom prst="rect">
             <a:avLst/>
@@ -9449,7 +8234,7 @@
         <p:spPr>
           <a:xfrm>
             <a:off x="1119960" y="2565360"/>
-            <a:ext cx="7835760" cy="4129200"/>
+            <a:ext cx="7835400" cy="4128840"/>
           </a:xfrm>
           <a:prstGeom prst="rect">
             <a:avLst/>
@@ -9498,7 +8283,7 @@
         <p:spPr>
           <a:xfrm>
             <a:off x="360000" y="360000"/>
-            <a:ext cx="9356040" cy="896040"/>
+            <a:ext cx="9355680" cy="895680"/>
           </a:xfrm>
           <a:prstGeom prst="rect">
             <a:avLst/>
@@ -9550,7 +8335,7 @@
         <p:spPr>
           <a:xfrm>
             <a:off x="897120" y="6886080"/>
-            <a:ext cx="6443280" cy="361080"/>
+            <a:ext cx="6442920" cy="360720"/>
           </a:xfrm>
           <a:prstGeom prst="rect">
             <a:avLst/>
@@ -9602,7 +8387,7 @@
         <p:spPr>
           <a:xfrm>
             <a:off x="7608600" y="6886080"/>
-            <a:ext cx="2281320" cy="361080"/>
+            <a:ext cx="2280960" cy="360720"/>
           </a:xfrm>
           <a:prstGeom prst="rect">
             <a:avLst/>
@@ -9675,7 +8460,7 @@
         <p:spPr>
           <a:xfrm>
             <a:off x="360000" y="1827720"/>
-            <a:ext cx="9176040" cy="4676040"/>
+            <a:ext cx="9175680" cy="4675680"/>
           </a:xfrm>
           <a:prstGeom prst="rect">
             <a:avLst/>
@@ -9710,7 +8495,7 @@
             </a:endParaRPr>
           </a:p>
           <a:p>
-            <a:pPr>
+            <a:pPr marL="3600">
               <a:lnSpc>
                 <a:spcPct val="100000"/>
               </a:lnSpc>
@@ -9724,7 +8509,7 @@
             </a:endParaRPr>
           </a:p>
           <a:p>
-            <a:pPr>
+            <a:pPr marL="3600">
               <a:lnSpc>
                 <a:spcPct val="100000"/>
               </a:lnSpc>
@@ -9738,7 +8523,7 @@
             </a:endParaRPr>
           </a:p>
           <a:p>
-            <a:pPr>
+            <a:pPr marL="3600">
               <a:lnSpc>
                 <a:spcPct val="100000"/>
               </a:lnSpc>
@@ -9752,7 +8537,7 @@
             </a:endParaRPr>
           </a:p>
           <a:p>
-            <a:pPr>
+            <a:pPr marL="3600">
               <a:lnSpc>
                 <a:spcPct val="100000"/>
               </a:lnSpc>
@@ -9776,7 +8561,7 @@
         <p:spPr>
           <a:xfrm>
             <a:off x="360000" y="1636560"/>
-            <a:ext cx="7081920" cy="2379600"/>
+            <a:ext cx="7081560" cy="2379240"/>
           </a:xfrm>
           <a:prstGeom prst="rect">
             <a:avLst/>
@@ -9842,138 +8627,6 @@
                 <a:hlinkClick r:id="rId1"/>
               </a:rPr>
               <a:t>[LINK]</a:t>
-            </a:r>
-            <a:endParaRPr b="0" lang="pt-BR" sz="1800" spc="-1" strike="noStrike">
-              <a:latin typeface="Arial"/>
-            </a:endParaRPr>
-          </a:p>
-          <a:p>
-            <a:pPr>
-              <a:lnSpc>
-                <a:spcPct val="100000"/>
-              </a:lnSpc>
-              <a:buNone/>
-              <a:tabLst>
-                <a:tab algn="l" pos="192240"/>
-                <a:tab algn="l" pos="649440"/>
-                <a:tab algn="l" pos="1106640"/>
-                <a:tab algn="l" pos="1563840"/>
-                <a:tab algn="l" pos="2021040"/>
-                <a:tab algn="l" pos="2478240"/>
-                <a:tab algn="l" pos="2935440"/>
-                <a:tab algn="l" pos="3392640"/>
-                <a:tab algn="l" pos="3849840"/>
-                <a:tab algn="l" pos="4307040"/>
-                <a:tab algn="l" pos="4764240"/>
-                <a:tab algn="l" pos="5221440"/>
-                <a:tab algn="l" pos="5678640"/>
-                <a:tab algn="l" pos="6135840"/>
-                <a:tab algn="l" pos="6593040"/>
-                <a:tab algn="l" pos="7050240"/>
-                <a:tab algn="l" pos="7507440"/>
-                <a:tab algn="l" pos="7964640"/>
-                <a:tab algn="l" pos="8421840"/>
-                <a:tab algn="l" pos="8879040"/>
-                <a:tab algn="l" pos="9336240"/>
-              </a:tabLst>
-            </a:pPr>
-            <a:endParaRPr b="0" lang="pt-BR" sz="1800" spc="-1" strike="noStrike">
-              <a:latin typeface="Arial"/>
-            </a:endParaRPr>
-          </a:p>
-          <a:p>
-            <a:pPr marL="192240" indent="-192240">
-              <a:lnSpc>
-                <a:spcPct val="100000"/>
-              </a:lnSpc>
-              <a:buClr>
-                <a:srgbClr val="000000"/>
-              </a:buClr>
-              <a:buSzPct val="45000"/>
-              <a:buFont typeface="Wingdings" charset="2"/>
-              <a:buChar char=""/>
-              <a:tabLst>
-                <a:tab algn="l" pos="192240"/>
-                <a:tab algn="l" pos="649440"/>
-                <a:tab algn="l" pos="1106640"/>
-                <a:tab algn="l" pos="1563840"/>
-                <a:tab algn="l" pos="2021040"/>
-                <a:tab algn="l" pos="2478240"/>
-                <a:tab algn="l" pos="2935440"/>
-                <a:tab algn="l" pos="3392640"/>
-                <a:tab algn="l" pos="3849840"/>
-                <a:tab algn="l" pos="4307040"/>
-                <a:tab algn="l" pos="4764240"/>
-                <a:tab algn="l" pos="5221440"/>
-                <a:tab algn="l" pos="5678640"/>
-                <a:tab algn="l" pos="6135840"/>
-                <a:tab algn="l" pos="6593040"/>
-                <a:tab algn="l" pos="7050240"/>
-                <a:tab algn="l" pos="7507440"/>
-                <a:tab algn="l" pos="7964640"/>
-                <a:tab algn="l" pos="8421840"/>
-                <a:tab algn="l" pos="8879040"/>
-                <a:tab algn="l" pos="9336240"/>
-              </a:tabLst>
-            </a:pPr>
-            <a:r>
-              <a:rPr b="1" lang="en-US" sz="1800" spc="-1" strike="noStrike">
-                <a:solidFill>
-                  <a:srgbClr val="000000"/>
-                </a:solidFill>
-                <a:latin typeface="Arial"/>
-                <a:ea typeface="DejaVu Sans"/>
-              </a:rPr>
-              <a:t>Assessment Task: PJBL-3 at Canvas </a:t>
-            </a:r>
-            <a:endParaRPr b="0" lang="pt-BR" sz="1800" spc="-1" strike="noStrike">
-              <a:latin typeface="Arial"/>
-            </a:endParaRPr>
-          </a:p>
-          <a:p>
-            <a:pPr lvl="1" marL="431640" indent="-192240">
-              <a:lnSpc>
-                <a:spcPct val="100000"/>
-              </a:lnSpc>
-              <a:buClr>
-                <a:srgbClr val="000000"/>
-              </a:buClr>
-              <a:buSzPct val="45000"/>
-              <a:buFont typeface="Wingdings" charset="2"/>
-              <a:buChar char=""/>
-              <a:tabLst>
-                <a:tab algn="l" pos="192240"/>
-                <a:tab algn="l" pos="649440"/>
-                <a:tab algn="l" pos="1106640"/>
-                <a:tab algn="l" pos="1563840"/>
-                <a:tab algn="l" pos="2021040"/>
-                <a:tab algn="l" pos="2478240"/>
-                <a:tab algn="l" pos="2935440"/>
-                <a:tab algn="l" pos="3392640"/>
-                <a:tab algn="l" pos="3849840"/>
-                <a:tab algn="l" pos="4307040"/>
-                <a:tab algn="l" pos="4764240"/>
-                <a:tab algn="l" pos="5221440"/>
-                <a:tab algn="l" pos="5678640"/>
-                <a:tab algn="l" pos="6135840"/>
-                <a:tab algn="l" pos="6593040"/>
-                <a:tab algn="l" pos="7050240"/>
-                <a:tab algn="l" pos="7507440"/>
-                <a:tab algn="l" pos="7964640"/>
-                <a:tab algn="l" pos="8421840"/>
-                <a:tab algn="l" pos="8879040"/>
-                <a:tab algn="l" pos="9336240"/>
-              </a:tabLst>
-            </a:pPr>
-            <a:r>
-              <a:rPr b="1" lang="en-US" sz="1800" spc="-1" strike="noStrike">
-                <a:solidFill>
-                  <a:srgbClr val="000000"/>
-                </a:solidFill>
-                <a:latin typeface="Arial"/>
-                <a:ea typeface="DejaVu Sans"/>
-              </a:rPr>
-              <a:t>Delivery date: 06/11 23:59</a:t>
             </a:r>
             <a:endParaRPr b="0" lang="pt-BR" sz="1800" spc="-1" strike="noStrike">
               <a:latin typeface="Arial"/>
@@ -10054,7 +8707,7 @@
         <p:spPr>
           <a:xfrm>
             <a:off x="360000" y="360000"/>
-            <a:ext cx="9356040" cy="896040"/>
+            <a:ext cx="9355680" cy="895680"/>
           </a:xfrm>
           <a:prstGeom prst="rect">
             <a:avLst/>
@@ -10106,7 +8759,7 @@
         <p:spPr>
           <a:xfrm>
             <a:off x="897120" y="6886080"/>
-            <a:ext cx="6443280" cy="361080"/>
+            <a:ext cx="6442920" cy="360720"/>
           </a:xfrm>
           <a:prstGeom prst="rect">
             <a:avLst/>
@@ -10158,7 +8811,7 @@
         <p:spPr>
           <a:xfrm>
             <a:off x="7608600" y="6886080"/>
-            <a:ext cx="2281320" cy="361080"/>
+            <a:ext cx="2280960" cy="360720"/>
           </a:xfrm>
           <a:prstGeom prst="rect">
             <a:avLst/>
@@ -10231,7 +8884,7 @@
         <p:spPr>
           <a:xfrm>
             <a:off x="360000" y="1980000"/>
-            <a:ext cx="9176040" cy="4676040"/>
+            <a:ext cx="9175680" cy="4675680"/>
           </a:xfrm>
           <a:prstGeom prst="rect">
             <a:avLst/>
@@ -10469,7 +9122,7 @@
         <p:spPr>
           <a:xfrm>
             <a:off x="2308680" y="4268520"/>
-            <a:ext cx="6219360" cy="2104200"/>
+            <a:ext cx="6219000" cy="2103840"/>
           </a:xfrm>
           <a:prstGeom prst="rect">
             <a:avLst/>
@@ -10488,7 +9141,7 @@
         <p:spPr>
           <a:xfrm>
             <a:off x="2308680" y="6085080"/>
-            <a:ext cx="233640" cy="233640"/>
+            <a:ext cx="233280" cy="233280"/>
           </a:xfrm>
           <a:prstGeom prst="ellipse">
             <a:avLst/>
@@ -10518,7 +9171,7 @@
         <p:spPr>
           <a:xfrm>
             <a:off x="2777040" y="6085440"/>
-            <a:ext cx="233640" cy="233640"/>
+            <a:ext cx="233280" cy="233280"/>
           </a:xfrm>
           <a:prstGeom prst="ellipse">
             <a:avLst/>
@@ -10548,7 +9201,7 @@
         <p:spPr>
           <a:xfrm>
             <a:off x="3209400" y="6085800"/>
-            <a:ext cx="233640" cy="233640"/>
+            <a:ext cx="233280" cy="233280"/>
           </a:xfrm>
           <a:prstGeom prst="ellipse">
             <a:avLst/>
@@ -10578,7 +9231,7 @@
         <p:spPr>
           <a:xfrm>
             <a:off x="4018680" y="6121080"/>
-            <a:ext cx="233640" cy="233640"/>
+            <a:ext cx="233280" cy="233280"/>
           </a:xfrm>
           <a:prstGeom prst="ellipse">
             <a:avLst/>
@@ -10608,7 +9261,7 @@
         <p:spPr>
           <a:xfrm>
             <a:off x="4378680" y="6103080"/>
-            <a:ext cx="233640" cy="233640"/>
+            <a:ext cx="233280" cy="233280"/>
           </a:xfrm>
           <a:prstGeom prst="ellipse">
             <a:avLst/>
@@ -10638,7 +9291,7 @@
         <p:spPr>
           <a:xfrm>
             <a:off x="4811040" y="6103440"/>
-            <a:ext cx="233640" cy="233640"/>
+            <a:ext cx="233280" cy="233280"/>
           </a:xfrm>
           <a:prstGeom prst="ellipse">
             <a:avLst/>
@@ -10668,7 +9321,7 @@
         <p:spPr>
           <a:xfrm>
             <a:off x="5603400" y="6103800"/>
-            <a:ext cx="233640" cy="233640"/>
+            <a:ext cx="233280" cy="233280"/>
           </a:xfrm>
           <a:prstGeom prst="ellipse">
             <a:avLst/>
@@ -10698,7 +9351,7 @@
         <p:spPr>
           <a:xfrm>
             <a:off x="5999400" y="6103800"/>
-            <a:ext cx="233640" cy="233640"/>
+            <a:ext cx="233280" cy="233280"/>
           </a:xfrm>
           <a:prstGeom prst="ellipse">
             <a:avLst/>
@@ -10758,7 +9411,7 @@
         <p:spPr>
           <a:xfrm>
             <a:off x="360000" y="360000"/>
-            <a:ext cx="9356040" cy="896040"/>
+            <a:ext cx="9355680" cy="895680"/>
           </a:xfrm>
           <a:prstGeom prst="rect">
             <a:avLst/>
@@ -10810,7 +9463,7 @@
         <p:spPr>
           <a:xfrm>
             <a:off x="897120" y="6886080"/>
-            <a:ext cx="6443280" cy="361080"/>
+            <a:ext cx="6442920" cy="360720"/>
           </a:xfrm>
           <a:prstGeom prst="rect">
             <a:avLst/>
@@ -10862,7 +9515,7 @@
         <p:spPr>
           <a:xfrm>
             <a:off x="7608600" y="6886080"/>
-            <a:ext cx="2281320" cy="361080"/>
+            <a:ext cx="2280960" cy="360720"/>
           </a:xfrm>
           <a:prstGeom prst="rect">
             <a:avLst/>
@@ -10939,7 +9592,7 @@
         <p:spPr>
           <a:xfrm>
             <a:off x="1187280" y="3263040"/>
-            <a:ext cx="7701480" cy="1436760"/>
+            <a:ext cx="7701120" cy="1436400"/>
           </a:xfrm>
           <a:prstGeom prst="rect">
             <a:avLst/>
@@ -10988,7 +9641,7 @@
         <p:spPr>
           <a:xfrm>
             <a:off x="360000" y="360000"/>
-            <a:ext cx="9356040" cy="896040"/>
+            <a:ext cx="9355680" cy="895680"/>
           </a:xfrm>
           <a:prstGeom prst="rect">
             <a:avLst/>
@@ -11040,7 +9693,7 @@
         <p:spPr>
           <a:xfrm>
             <a:off x="897120" y="6886080"/>
-            <a:ext cx="6443280" cy="361080"/>
+            <a:ext cx="6442920" cy="360720"/>
           </a:xfrm>
           <a:prstGeom prst="rect">
             <a:avLst/>
@@ -11092,7 +9745,7 @@
         <p:spPr>
           <a:xfrm>
             <a:off x="7608600" y="6886080"/>
-            <a:ext cx="2281320" cy="361080"/>
+            <a:ext cx="2280960" cy="360720"/>
           </a:xfrm>
           <a:prstGeom prst="rect">
             <a:avLst/>
@@ -11165,7 +9818,7 @@
         <p:spPr>
           <a:xfrm>
             <a:off x="360000" y="1827720"/>
-            <a:ext cx="9176040" cy="4676040"/>
+            <a:ext cx="9175680" cy="4675680"/>
           </a:xfrm>
           <a:prstGeom prst="rect">
             <a:avLst/>
@@ -11200,7 +9853,7 @@
             </a:endParaRPr>
           </a:p>
           <a:p>
-            <a:pPr>
+            <a:pPr marL="3600">
               <a:lnSpc>
                 <a:spcPct val="100000"/>
               </a:lnSpc>
@@ -11214,7 +9867,7 @@
             </a:endParaRPr>
           </a:p>
           <a:p>
-            <a:pPr>
+            <a:pPr marL="3600">
               <a:lnSpc>
                 <a:spcPct val="100000"/>
               </a:lnSpc>
@@ -11228,7 +9881,7 @@
             </a:endParaRPr>
           </a:p>
           <a:p>
-            <a:pPr>
+            <a:pPr marL="3600">
               <a:lnSpc>
                 <a:spcPct val="100000"/>
               </a:lnSpc>
@@ -11242,7 +9895,7 @@
             </a:endParaRPr>
           </a:p>
           <a:p>
-            <a:pPr>
+            <a:pPr marL="3600">
               <a:lnSpc>
                 <a:spcPct val="100000"/>
               </a:lnSpc>
@@ -11266,7 +9919,7 @@
         <p:spPr>
           <a:xfrm>
             <a:off x="360000" y="1647720"/>
-            <a:ext cx="8318160" cy="4549320"/>
+            <a:ext cx="8317800" cy="4548960"/>
           </a:xfrm>
           <a:prstGeom prst="rect">
             <a:avLst/>
@@ -11452,7 +10105,7 @@
         <p:spPr>
           <a:xfrm>
             <a:off x="912600" y="2632320"/>
-            <a:ext cx="8071200" cy="2877840"/>
+            <a:ext cx="8070840" cy="2877480"/>
           </a:xfrm>
           <a:prstGeom prst="rect">
             <a:avLst/>
@@ -11501,7 +10154,7 @@
         <p:spPr>
           <a:xfrm>
             <a:off x="360000" y="360000"/>
-            <a:ext cx="9356040" cy="896040"/>
+            <a:ext cx="9355680" cy="895680"/>
           </a:xfrm>
           <a:prstGeom prst="rect">
             <a:avLst/>
@@ -11553,7 +10206,7 @@
         <p:spPr>
           <a:xfrm>
             <a:off x="897120" y="6886080"/>
-            <a:ext cx="6443280" cy="361080"/>
+            <a:ext cx="6442920" cy="360720"/>
           </a:xfrm>
           <a:prstGeom prst="rect">
             <a:avLst/>
@@ -11605,7 +10258,7 @@
         <p:spPr>
           <a:xfrm>
             <a:off x="7608600" y="6886080"/>
-            <a:ext cx="2281320" cy="361080"/>
+            <a:ext cx="2280960" cy="360720"/>
           </a:xfrm>
           <a:prstGeom prst="rect">
             <a:avLst/>
@@ -11678,7 +10331,7 @@
         <p:spPr>
           <a:xfrm>
             <a:off x="360000" y="1827720"/>
-            <a:ext cx="9176040" cy="4676040"/>
+            <a:ext cx="9175680" cy="4675680"/>
           </a:xfrm>
           <a:prstGeom prst="rect">
             <a:avLst/>
@@ -11713,7 +10366,7 @@
             </a:endParaRPr>
           </a:p>
           <a:p>
-            <a:pPr>
+            <a:pPr marL="3600">
               <a:lnSpc>
                 <a:spcPct val="100000"/>
               </a:lnSpc>
@@ -11727,7 +10380,7 @@
             </a:endParaRPr>
           </a:p>
           <a:p>
-            <a:pPr>
+            <a:pPr marL="3600">
               <a:lnSpc>
                 <a:spcPct val="100000"/>
               </a:lnSpc>
@@ -11741,7 +10394,7 @@
             </a:endParaRPr>
           </a:p>
           <a:p>
-            <a:pPr>
+            <a:pPr marL="3600">
               <a:lnSpc>
                 <a:spcPct val="100000"/>
               </a:lnSpc>
@@ -11755,7 +10408,7 @@
             </a:endParaRPr>
           </a:p>
           <a:p>
-            <a:pPr>
+            <a:pPr marL="3600">
               <a:lnSpc>
                 <a:spcPct val="100000"/>
               </a:lnSpc>
@@ -11779,7 +10432,7 @@
         <p:spPr>
           <a:xfrm>
             <a:off x="360000" y="1647720"/>
-            <a:ext cx="8318160" cy="4549320"/>
+            <a:ext cx="8317800" cy="4548960"/>
           </a:xfrm>
           <a:prstGeom prst="rect">
             <a:avLst/>
@@ -11965,7 +10618,7 @@
         <p:spPr>
           <a:xfrm>
             <a:off x="4762440" y="1647720"/>
-            <a:ext cx="3835800" cy="1367640"/>
+            <a:ext cx="3835440" cy="1367280"/>
           </a:xfrm>
           <a:prstGeom prst="rect">
             <a:avLst/>
@@ -11983,7 +10636,7 @@
         </p:nvGraphicFramePr>
         <p:xfrm>
           <a:off x="1282680" y="4332960"/>
-          <a:ext cx="5057280" cy="2361960"/>
+          <a:ext cx="5056920" cy="2361600"/>
         </p:xfrm>
         <a:graphic>
           <a:graphicData uri="http://schemas.openxmlformats.org/presentationml/2006/ole">
@@ -12002,7 +10655,7 @@
                 <p:spPr>
                   <a:xfrm>
                     <a:off x="1282680" y="4332960"/>
-                    <a:ext cx="5057280" cy="2361960"/>
+                    <a:ext cx="5056920" cy="2361600"/>
                   </a:xfrm>
                   <a:prstGeom prst="rect">
                     <a:avLst/>
@@ -12025,7 +10678,7 @@
         <p:spPr>
           <a:xfrm>
             <a:off x="4762440" y="1647720"/>
-            <a:ext cx="2755440" cy="1367640"/>
+            <a:ext cx="2755080" cy="1367280"/>
           </a:xfrm>
           <a:prstGeom prst="rect">
             <a:avLst/>
@@ -12059,7 +10712,7 @@
         <p:spPr>
           <a:xfrm>
             <a:off x="1282680" y="4330800"/>
-            <a:ext cx="5054760" cy="2362320"/>
+            <a:ext cx="5054400" cy="2361960"/>
           </a:xfrm>
           <a:prstGeom prst="rect">
             <a:avLst/>
@@ -12108,7 +10761,7 @@
         <p:spPr>
           <a:xfrm>
             <a:off x="360000" y="360000"/>
-            <a:ext cx="9356040" cy="896040"/>
+            <a:ext cx="9355680" cy="895680"/>
           </a:xfrm>
           <a:prstGeom prst="rect">
             <a:avLst/>
@@ -12160,7 +10813,7 @@
         <p:spPr>
           <a:xfrm>
             <a:off x="897120" y="6886080"/>
-            <a:ext cx="6443280" cy="361080"/>
+            <a:ext cx="6442920" cy="360720"/>
           </a:xfrm>
           <a:prstGeom prst="rect">
             <a:avLst/>
@@ -12212,7 +10865,7 @@
         <p:spPr>
           <a:xfrm>
             <a:off x="7608600" y="6886080"/>
-            <a:ext cx="2281320" cy="361080"/>
+            <a:ext cx="2280960" cy="360720"/>
           </a:xfrm>
           <a:prstGeom prst="rect">
             <a:avLst/>
@@ -12285,7 +10938,7 @@
         <p:spPr>
           <a:xfrm>
             <a:off x="360000" y="1827720"/>
-            <a:ext cx="9176040" cy="4676040"/>
+            <a:ext cx="9175680" cy="4675680"/>
           </a:xfrm>
           <a:prstGeom prst="rect">
             <a:avLst/>
@@ -12320,7 +10973,7 @@
             </a:endParaRPr>
           </a:p>
           <a:p>
-            <a:pPr>
+            <a:pPr marL="3600">
               <a:lnSpc>
                 <a:spcPct val="100000"/>
               </a:lnSpc>
@@ -12334,7 +10987,7 @@
             </a:endParaRPr>
           </a:p>
           <a:p>
-            <a:pPr>
+            <a:pPr marL="3600">
               <a:lnSpc>
                 <a:spcPct val="100000"/>
               </a:lnSpc>
@@ -12348,7 +11001,7 @@
             </a:endParaRPr>
           </a:p>
           <a:p>
-            <a:pPr>
+            <a:pPr marL="3600">
               <a:lnSpc>
                 <a:spcPct val="100000"/>
               </a:lnSpc>
@@ -12362,7 +11015,7 @@
             </a:endParaRPr>
           </a:p>
           <a:p>
-            <a:pPr>
+            <a:pPr marL="3600">
               <a:lnSpc>
                 <a:spcPct val="100000"/>
               </a:lnSpc>
@@ -12386,7 +11039,7 @@
         <p:spPr>
           <a:xfrm>
             <a:off x="360000" y="1638360"/>
-            <a:ext cx="8318160" cy="4549320"/>
+            <a:ext cx="8317800" cy="4548960"/>
           </a:xfrm>
           <a:prstGeom prst="rect">
             <a:avLst/>
@@ -12655,7 +11308,7 @@
         <p:spPr>
           <a:xfrm>
             <a:off x="3088440" y="3195720"/>
-            <a:ext cx="4411080" cy="3308040"/>
+            <a:ext cx="4410720" cy="3307680"/>
           </a:xfrm>
           <a:prstGeom prst="rect">
             <a:avLst/>
@@ -12678,7 +11331,7 @@
         <p:spPr>
           <a:xfrm>
             <a:off x="4494240" y="1541880"/>
-            <a:ext cx="3835800" cy="1367640"/>
+            <a:ext cx="3835440" cy="1367280"/>
           </a:xfrm>
           <a:prstGeom prst="rect">
             <a:avLst/>
@@ -12696,8 +11349,8 @@
         </p:nvSpPr>
         <p:spPr>
           <a:xfrm flipH="1">
-            <a:off x="7199640" y="1541880"/>
-            <a:ext cx="1080000" cy="1367640"/>
+            <a:off x="7198920" y="1541880"/>
+            <a:ext cx="1079640" cy="1367280"/>
           </a:xfrm>
           <a:prstGeom prst="rect">
             <a:avLst/>
@@ -12757,7 +11410,7 @@
         <p:spPr>
           <a:xfrm>
             <a:off x="360000" y="360000"/>
-            <a:ext cx="9356040" cy="896040"/>
+            <a:ext cx="9355680" cy="895680"/>
           </a:xfrm>
           <a:prstGeom prst="rect">
             <a:avLst/>
@@ -12809,7 +11462,7 @@
         <p:spPr>
           <a:xfrm>
             <a:off x="897120" y="6886080"/>
-            <a:ext cx="6443280" cy="361080"/>
+            <a:ext cx="6442920" cy="360720"/>
           </a:xfrm>
           <a:prstGeom prst="rect">
             <a:avLst/>
@@ -12861,7 +11514,7 @@
         <p:spPr>
           <a:xfrm>
             <a:off x="7608600" y="6886080"/>
-            <a:ext cx="2281320" cy="361080"/>
+            <a:ext cx="2280960" cy="360720"/>
           </a:xfrm>
           <a:prstGeom prst="rect">
             <a:avLst/>
@@ -12934,7 +11587,7 @@
         <p:spPr>
           <a:xfrm>
             <a:off x="360000" y="1827720"/>
-            <a:ext cx="9176040" cy="4676040"/>
+            <a:ext cx="9175680" cy="4675680"/>
           </a:xfrm>
           <a:prstGeom prst="rect">
             <a:avLst/>
@@ -12969,7 +11622,7 @@
             </a:endParaRPr>
           </a:p>
           <a:p>
-            <a:pPr>
+            <a:pPr marL="3600">
               <a:lnSpc>
                 <a:spcPct val="100000"/>
               </a:lnSpc>
@@ -12983,7 +11636,7 @@
             </a:endParaRPr>
           </a:p>
           <a:p>
-            <a:pPr>
+            <a:pPr marL="3600">
               <a:lnSpc>
                 <a:spcPct val="100000"/>
               </a:lnSpc>
@@ -12997,7 +11650,7 @@
             </a:endParaRPr>
           </a:p>
           <a:p>
-            <a:pPr>
+            <a:pPr marL="3600">
               <a:lnSpc>
                 <a:spcPct val="100000"/>
               </a:lnSpc>
@@ -13011,7 +11664,7 @@
             </a:endParaRPr>
           </a:p>
           <a:p>
-            <a:pPr>
+            <a:pPr marL="3600">
               <a:lnSpc>
                 <a:spcPct val="100000"/>
               </a:lnSpc>
@@ -13035,7 +11688,7 @@
         <p:spPr>
           <a:xfrm>
             <a:off x="360000" y="1636560"/>
-            <a:ext cx="8318160" cy="4549320"/>
+            <a:ext cx="8317800" cy="4548960"/>
           </a:xfrm>
           <a:prstGeom prst="rect">
             <a:avLst/>
@@ -13221,7 +11874,7 @@
         <p:spPr>
           <a:xfrm>
             <a:off x="1777320" y="2619000"/>
-            <a:ext cx="6972120" cy="4266720"/>
+            <a:ext cx="6971760" cy="4266360"/>
           </a:xfrm>
           <a:prstGeom prst="rect">
             <a:avLst/>
@@ -13244,7 +11897,7 @@
         <p:spPr>
           <a:xfrm>
             <a:off x="4494240" y="1541880"/>
-            <a:ext cx="3835800" cy="1367640"/>
+            <a:ext cx="3835440" cy="1367280"/>
           </a:xfrm>
           <a:prstGeom prst="rect">
             <a:avLst/>
@@ -13262,8 +11915,8 @@
         </p:nvSpPr>
         <p:spPr>
           <a:xfrm flipH="1">
-            <a:off x="7199640" y="1541880"/>
-            <a:ext cx="1080000" cy="1367640"/>
+            <a:off x="7198920" y="1541880"/>
+            <a:ext cx="1079640" cy="1367280"/>
           </a:xfrm>
           <a:prstGeom prst="rect">
             <a:avLst/>
@@ -13323,7 +11976,7 @@
         <p:spPr>
           <a:xfrm>
             <a:off x="360000" y="360000"/>
-            <a:ext cx="9356040" cy="896040"/>
+            <a:ext cx="9355680" cy="895680"/>
           </a:xfrm>
           <a:prstGeom prst="rect">
             <a:avLst/>
@@ -13375,7 +12028,7 @@
         <p:spPr>
           <a:xfrm>
             <a:off x="897120" y="6886080"/>
-            <a:ext cx="6443280" cy="361080"/>
+            <a:ext cx="6442920" cy="360720"/>
           </a:xfrm>
           <a:prstGeom prst="rect">
             <a:avLst/>
@@ -13427,7 +12080,7 @@
         <p:spPr>
           <a:xfrm>
             <a:off x="7608600" y="6886080"/>
-            <a:ext cx="2281320" cy="361080"/>
+            <a:ext cx="2280960" cy="360720"/>
           </a:xfrm>
           <a:prstGeom prst="rect">
             <a:avLst/>
@@ -13500,7 +12153,7 @@
         <p:spPr>
           <a:xfrm>
             <a:off x="360000" y="1827720"/>
-            <a:ext cx="9176040" cy="4676040"/>
+            <a:ext cx="9175680" cy="4675680"/>
           </a:xfrm>
           <a:prstGeom prst="rect">
             <a:avLst/>
@@ -13535,7 +12188,7 @@
             </a:endParaRPr>
           </a:p>
           <a:p>
-            <a:pPr>
+            <a:pPr marL="3600">
               <a:lnSpc>
                 <a:spcPct val="100000"/>
               </a:lnSpc>
@@ -13549,7 +12202,7 @@
             </a:endParaRPr>
           </a:p>
           <a:p>
-            <a:pPr>
+            <a:pPr marL="3600">
               <a:lnSpc>
                 <a:spcPct val="100000"/>
               </a:lnSpc>
@@ -13563,7 +12216,7 @@
             </a:endParaRPr>
           </a:p>
           <a:p>
-            <a:pPr>
+            <a:pPr marL="3600">
               <a:lnSpc>
                 <a:spcPct val="100000"/>
               </a:lnSpc>
@@ -13577,7 +12230,7 @@
             </a:endParaRPr>
           </a:p>
           <a:p>
-            <a:pPr>
+            <a:pPr marL="3600">
               <a:lnSpc>
                 <a:spcPct val="100000"/>
               </a:lnSpc>
@@ -13605,7 +12258,7 @@
         <p:spPr>
           <a:xfrm>
             <a:off x="1029960" y="3668760"/>
-            <a:ext cx="3782520" cy="1940760"/>
+            <a:ext cx="3782160" cy="1940400"/>
           </a:xfrm>
           <a:prstGeom prst="rect">
             <a:avLst/>
@@ -13628,7 +12281,7 @@
         <p:spPr>
           <a:xfrm>
             <a:off x="4494240" y="1541880"/>
-            <a:ext cx="3835800" cy="1367640"/>
+            <a:ext cx="3835440" cy="1367280"/>
           </a:xfrm>
           <a:prstGeom prst="rect">
             <a:avLst/>
@@ -13646,8 +12299,8 @@
         </p:nvSpPr>
         <p:spPr>
           <a:xfrm flipH="1">
-            <a:off x="7199640" y="1541880"/>
-            <a:ext cx="1080000" cy="1367640"/>
+            <a:off x="7198920" y="1541880"/>
+            <a:ext cx="1079640" cy="1367280"/>
           </a:xfrm>
           <a:prstGeom prst="rect">
             <a:avLst/>
@@ -13681,7 +12334,7 @@
         <p:spPr>
           <a:xfrm>
             <a:off x="5483160" y="3679200"/>
-            <a:ext cx="4052880" cy="1940760"/>
+            <a:ext cx="4052520" cy="1940400"/>
           </a:xfrm>
           <a:prstGeom prst="rect">
             <a:avLst/>
@@ -13700,7 +12353,7 @@
         <p:spPr>
           <a:xfrm>
             <a:off x="360000" y="1636560"/>
-            <a:ext cx="4795920" cy="2379600"/>
+            <a:ext cx="4795560" cy="2379240"/>
           </a:xfrm>
           <a:prstGeom prst="rect">
             <a:avLst/>
@@ -13912,7 +12565,7 @@
         <p:spPr>
           <a:xfrm>
             <a:off x="360000" y="360000"/>
-            <a:ext cx="9356040" cy="896040"/>
+            <a:ext cx="9355680" cy="895680"/>
           </a:xfrm>
           <a:prstGeom prst="rect">
             <a:avLst/>
@@ -13964,7 +12617,7 @@
         <p:spPr>
           <a:xfrm>
             <a:off x="897120" y="6886080"/>
-            <a:ext cx="6443280" cy="361080"/>
+            <a:ext cx="6442920" cy="360720"/>
           </a:xfrm>
           <a:prstGeom prst="rect">
             <a:avLst/>
@@ -14016,7 +12669,7 @@
         <p:spPr>
           <a:xfrm>
             <a:off x="7608600" y="6886080"/>
-            <a:ext cx="2281320" cy="361080"/>
+            <a:ext cx="2280960" cy="360720"/>
           </a:xfrm>
           <a:prstGeom prst="rect">
             <a:avLst/>
@@ -14089,7 +12742,7 @@
         <p:spPr>
           <a:xfrm>
             <a:off x="360000" y="1827720"/>
-            <a:ext cx="9176040" cy="4676040"/>
+            <a:ext cx="9175680" cy="4675680"/>
           </a:xfrm>
           <a:prstGeom prst="rect">
             <a:avLst/>
@@ -14124,7 +12777,7 @@
             </a:endParaRPr>
           </a:p>
           <a:p>
-            <a:pPr>
+            <a:pPr marL="3600">
               <a:lnSpc>
                 <a:spcPct val="100000"/>
               </a:lnSpc>
@@ -14138,7 +12791,7 @@
             </a:endParaRPr>
           </a:p>
           <a:p>
-            <a:pPr>
+            <a:pPr marL="3600">
               <a:lnSpc>
                 <a:spcPct val="100000"/>
               </a:lnSpc>
@@ -14152,7 +12805,7 @@
             </a:endParaRPr>
           </a:p>
           <a:p>
-            <a:pPr>
+            <a:pPr marL="3600">
               <a:lnSpc>
                 <a:spcPct val="100000"/>
               </a:lnSpc>
@@ -14166,7 +12819,7 @@
             </a:endParaRPr>
           </a:p>
           <a:p>
-            <a:pPr>
+            <a:pPr marL="3600">
               <a:lnSpc>
                 <a:spcPct val="100000"/>
               </a:lnSpc>
@@ -14190,7 +12843,7 @@
         <p:spPr>
           <a:xfrm>
             <a:off x="360000" y="1636560"/>
-            <a:ext cx="4795920" cy="2379600"/>
+            <a:ext cx="4795560" cy="2379240"/>
           </a:xfrm>
           <a:prstGeom prst="rect">
             <a:avLst/>
@@ -14372,7 +13025,7 @@
         <p:spPr>
           <a:xfrm>
             <a:off x="717480" y="2226240"/>
-            <a:ext cx="5041440" cy="1186920"/>
+            <a:ext cx="5041080" cy="1186920"/>
           </a:xfrm>
           <a:prstGeom prst="rect">
             <a:avLst/>
@@ -14463,7 +13116,7 @@
         <p:spPr>
           <a:xfrm>
             <a:off x="1969920" y="3142440"/>
-            <a:ext cx="6372000" cy="2780280"/>
+            <a:ext cx="6371640" cy="2779920"/>
           </a:xfrm>
           <a:prstGeom prst="rect">
             <a:avLst/>
